--- a/JavaConcepts.pptx
+++ b/JavaConcepts.pptx
@@ -15,6 +15,8 @@
     <p:sldId id="265" r:id="rId9"/>
     <p:sldId id="266" r:id="rId10"/>
     <p:sldId id="267" r:id="rId11"/>
+    <p:sldId id="269" r:id="rId12"/>
+    <p:sldId id="268" r:id="rId13"/>
   </p:sldIdLst>
   <p:sldSz cx="12192000" cy="6858000"/>
   <p:notesSz cx="6858000" cy="9144000"/>
@@ -268,7 +270,7 @@
           <a:p>
             <a:fld id="{E84DDE84-CEA6-4E8A-BDA4-521434A3F347}" type="datetimeFigureOut">
               <a:rPr lang="en-US" smtClean="0"/>
-              <a:t>11/7/2022</a:t>
+              <a:t>11/17/2022</a:t>
             </a:fld>
             <a:endParaRPr lang="en-US"/>
           </a:p>
@@ -466,7 +468,7 @@
           <a:p>
             <a:fld id="{E84DDE84-CEA6-4E8A-BDA4-521434A3F347}" type="datetimeFigureOut">
               <a:rPr lang="en-US" smtClean="0"/>
-              <a:t>11/7/2022</a:t>
+              <a:t>11/17/2022</a:t>
             </a:fld>
             <a:endParaRPr lang="en-US"/>
           </a:p>
@@ -674,7 +676,7 @@
           <a:p>
             <a:fld id="{E84DDE84-CEA6-4E8A-BDA4-521434A3F347}" type="datetimeFigureOut">
               <a:rPr lang="en-US" smtClean="0"/>
-              <a:t>11/7/2022</a:t>
+              <a:t>11/17/2022</a:t>
             </a:fld>
             <a:endParaRPr lang="en-US"/>
           </a:p>
@@ -872,7 +874,7 @@
           <a:p>
             <a:fld id="{E84DDE84-CEA6-4E8A-BDA4-521434A3F347}" type="datetimeFigureOut">
               <a:rPr lang="en-US" smtClean="0"/>
-              <a:t>11/7/2022</a:t>
+              <a:t>11/17/2022</a:t>
             </a:fld>
             <a:endParaRPr lang="en-US"/>
           </a:p>
@@ -1147,7 +1149,7 @@
           <a:p>
             <a:fld id="{E84DDE84-CEA6-4E8A-BDA4-521434A3F347}" type="datetimeFigureOut">
               <a:rPr lang="en-US" smtClean="0"/>
-              <a:t>11/7/2022</a:t>
+              <a:t>11/17/2022</a:t>
             </a:fld>
             <a:endParaRPr lang="en-US"/>
           </a:p>
@@ -1412,7 +1414,7 @@
           <a:p>
             <a:fld id="{E84DDE84-CEA6-4E8A-BDA4-521434A3F347}" type="datetimeFigureOut">
               <a:rPr lang="en-US" smtClean="0"/>
-              <a:t>11/7/2022</a:t>
+              <a:t>11/17/2022</a:t>
             </a:fld>
             <a:endParaRPr lang="en-US"/>
           </a:p>
@@ -1824,7 +1826,7 @@
           <a:p>
             <a:fld id="{E84DDE84-CEA6-4E8A-BDA4-521434A3F347}" type="datetimeFigureOut">
               <a:rPr lang="en-US" smtClean="0"/>
-              <a:t>11/7/2022</a:t>
+              <a:t>11/17/2022</a:t>
             </a:fld>
             <a:endParaRPr lang="en-US"/>
           </a:p>
@@ -1965,7 +1967,7 @@
           <a:p>
             <a:fld id="{E84DDE84-CEA6-4E8A-BDA4-521434A3F347}" type="datetimeFigureOut">
               <a:rPr lang="en-US" smtClean="0"/>
-              <a:t>11/7/2022</a:t>
+              <a:t>11/17/2022</a:t>
             </a:fld>
             <a:endParaRPr lang="en-US"/>
           </a:p>
@@ -2078,7 +2080,7 @@
           <a:p>
             <a:fld id="{E84DDE84-CEA6-4E8A-BDA4-521434A3F347}" type="datetimeFigureOut">
               <a:rPr lang="en-US" smtClean="0"/>
-              <a:t>11/7/2022</a:t>
+              <a:t>11/17/2022</a:t>
             </a:fld>
             <a:endParaRPr lang="en-US"/>
           </a:p>
@@ -2389,7 +2391,7 @@
           <a:p>
             <a:fld id="{E84DDE84-CEA6-4E8A-BDA4-521434A3F347}" type="datetimeFigureOut">
               <a:rPr lang="en-US" smtClean="0"/>
-              <a:t>11/7/2022</a:t>
+              <a:t>11/17/2022</a:t>
             </a:fld>
             <a:endParaRPr lang="en-US"/>
           </a:p>
@@ -2677,7 +2679,7 @@
           <a:p>
             <a:fld id="{E84DDE84-CEA6-4E8A-BDA4-521434A3F347}" type="datetimeFigureOut">
               <a:rPr lang="en-US" smtClean="0"/>
-              <a:t>11/7/2022</a:t>
+              <a:t>11/17/2022</a:t>
             </a:fld>
             <a:endParaRPr lang="en-US"/>
           </a:p>
@@ -2918,7 +2920,7 @@
           <a:p>
             <a:fld id="{E84DDE84-CEA6-4E8A-BDA4-521434A3F347}" type="datetimeFigureOut">
               <a:rPr lang="en-US" smtClean="0"/>
-              <a:t>11/7/2022</a:t>
+              <a:t>11/17/2022</a:t>
             </a:fld>
             <a:endParaRPr lang="en-US"/>
           </a:p>
@@ -3625,10 +3627,10 @@
       </p:sp>
       <p:sp>
         <p:nvSpPr>
-          <p:cNvPr id="5" name="TextBox 4">
-            <a:extLst>
-              <a:ext uri="{FF2B5EF4-FFF2-40B4-BE49-F238E27FC236}">
-                <a16:creationId xmlns:a16="http://schemas.microsoft.com/office/drawing/2014/main" id="{BED87F3D-6489-3BD0-CD63-8A5578E83E2B}"/>
+          <p:cNvPr id="6" name="TextBox 5">
+            <a:extLst>
+              <a:ext uri="{FF2B5EF4-FFF2-40B4-BE49-F238E27FC236}">
+                <a16:creationId xmlns:a16="http://schemas.microsoft.com/office/drawing/2014/main" id="{D8C539A9-6F22-4EEB-8A09-6D05ECB4545E}"/>
               </a:ext>
             </a:extLst>
           </p:cNvPr>
@@ -3637,8 +3639,1317 @@
         </p:nvSpPr>
         <p:spPr>
           <a:xfrm>
-            <a:off x="318655" y="2715492"/>
-            <a:ext cx="1468581" cy="2800767"/>
+            <a:off x="1389611" y="2689378"/>
+            <a:ext cx="1348740" cy="1815882"/>
+          </a:xfrm>
+          <a:prstGeom prst="rect">
+            <a:avLst/>
+          </a:prstGeom>
+        </p:spPr>
+        <p:style>
+          <a:lnRef idx="1">
+            <a:schemeClr val="accent3"/>
+          </a:lnRef>
+          <a:fillRef idx="2">
+            <a:schemeClr val="accent3"/>
+          </a:fillRef>
+          <a:effectRef idx="1">
+            <a:schemeClr val="accent3"/>
+          </a:effectRef>
+          <a:fontRef idx="minor">
+            <a:schemeClr val="dk1"/>
+          </a:fontRef>
+        </p:style>
+        <p:txBody>
+          <a:bodyPr wrap="square">
+            <a:spAutoFit/>
+          </a:bodyPr>
+          <a:lstStyle/>
+          <a:p>
+            <a:r>
+              <a:rPr lang="en-IN" sz="800" i="1" dirty="0"/>
+              <a:t>2. Print linearly from 1 to N</a:t>
+            </a:r>
+          </a:p>
+          <a:p>
+            <a:endParaRPr lang="en-US" sz="800" dirty="0"/>
+          </a:p>
+          <a:p>
+            <a:r>
+              <a:rPr lang="en-US" sz="800" dirty="0"/>
+              <a:t>void  f(int i, int  n){</a:t>
+            </a:r>
+          </a:p>
+          <a:p>
+            <a:r>
+              <a:rPr lang="en-US" sz="800" dirty="0"/>
+              <a:t>    if(i&gt;n){</a:t>
+            </a:r>
+          </a:p>
+          <a:p>
+            <a:r>
+              <a:rPr lang="en-US" sz="800" dirty="0"/>
+              <a:t>        return;</a:t>
+            </a:r>
+          </a:p>
+          <a:p>
+            <a:r>
+              <a:rPr lang="en-US" sz="800" dirty="0"/>
+              <a:t>    }</a:t>
+            </a:r>
+          </a:p>
+          <a:p>
+            <a:r>
+              <a:rPr lang="en-US" sz="800" dirty="0"/>
+              <a:t>    print(i);</a:t>
+            </a:r>
+          </a:p>
+          <a:p>
+            <a:r>
+              <a:rPr lang="en-US" sz="800" dirty="0"/>
+              <a:t>    f(i+1, n)</a:t>
+            </a:r>
+          </a:p>
+          <a:p>
+            <a:r>
+              <a:rPr lang="en-US" sz="800" dirty="0"/>
+              <a:t>}</a:t>
+            </a:r>
+          </a:p>
+          <a:p>
+            <a:endParaRPr lang="en-US" sz="800" dirty="0"/>
+          </a:p>
+          <a:p>
+            <a:r>
+              <a:rPr lang="en-US" sz="800" dirty="0"/>
+              <a:t>main(){</a:t>
+            </a:r>
+          </a:p>
+          <a:p>
+            <a:r>
+              <a:rPr lang="en-US" sz="800" dirty="0"/>
+              <a:t>    int n;</a:t>
+            </a:r>
+          </a:p>
+          <a:p>
+            <a:r>
+              <a:rPr lang="en-US" sz="800" dirty="0"/>
+              <a:t>    f(1, n);</a:t>
+            </a:r>
+          </a:p>
+          <a:p>
+            <a:r>
+              <a:rPr lang="en-US" sz="800" dirty="0"/>
+              <a:t>}</a:t>
+            </a:r>
+          </a:p>
+        </p:txBody>
+      </p:sp>
+      <p:sp>
+        <p:nvSpPr>
+          <p:cNvPr id="7" name="TextBox 6">
+            <a:extLst>
+              <a:ext uri="{FF2B5EF4-FFF2-40B4-BE49-F238E27FC236}">
+                <a16:creationId xmlns:a16="http://schemas.microsoft.com/office/drawing/2014/main" id="{6AF79401-11D0-4BD8-BF81-2BCCFAC5166A}"/>
+              </a:ext>
+            </a:extLst>
+          </p:cNvPr>
+          <p:cNvSpPr txBox="1"/>
+          <p:nvPr/>
+        </p:nvSpPr>
+        <p:spPr>
+          <a:xfrm>
+            <a:off x="103910" y="2685809"/>
+            <a:ext cx="1101435" cy="1815882"/>
+          </a:xfrm>
+          <a:prstGeom prst="rect">
+            <a:avLst/>
+          </a:prstGeom>
+        </p:spPr>
+        <p:style>
+          <a:lnRef idx="1">
+            <a:schemeClr val="accent3"/>
+          </a:lnRef>
+          <a:fillRef idx="2">
+            <a:schemeClr val="accent3"/>
+          </a:fillRef>
+          <a:effectRef idx="1">
+            <a:schemeClr val="accent3"/>
+          </a:effectRef>
+          <a:fontRef idx="minor">
+            <a:schemeClr val="dk1"/>
+          </a:fontRef>
+        </p:style>
+        <p:txBody>
+          <a:bodyPr wrap="square">
+            <a:spAutoFit/>
+          </a:bodyPr>
+          <a:lstStyle/>
+          <a:p>
+            <a:r>
+              <a:rPr lang="en-IN" sz="800" i="1" dirty="0"/>
+              <a:t>1. Print Name 5 times</a:t>
+            </a:r>
+          </a:p>
+          <a:p>
+            <a:endParaRPr lang="en-US" sz="800" dirty="0"/>
+          </a:p>
+          <a:p>
+            <a:r>
+              <a:rPr lang="en-US" sz="800" dirty="0"/>
+              <a:t>void  f(int i){</a:t>
+            </a:r>
+          </a:p>
+          <a:p>
+            <a:r>
+              <a:rPr lang="en-US" sz="800" dirty="0"/>
+              <a:t>    if(i&gt;5){</a:t>
+            </a:r>
+          </a:p>
+          <a:p>
+            <a:r>
+              <a:rPr lang="en-US" sz="800" dirty="0"/>
+              <a:t>        return;</a:t>
+            </a:r>
+          </a:p>
+          <a:p>
+            <a:r>
+              <a:rPr lang="en-US" sz="800" dirty="0"/>
+              <a:t>    }</a:t>
+            </a:r>
+          </a:p>
+          <a:p>
+            <a:r>
+              <a:rPr lang="en-US" sz="800" dirty="0"/>
+              <a:t>    print(“Kuhu”);</a:t>
+            </a:r>
+          </a:p>
+          <a:p>
+            <a:r>
+              <a:rPr lang="en-US" sz="800" dirty="0"/>
+              <a:t>    f(i+1)</a:t>
+            </a:r>
+          </a:p>
+          <a:p>
+            <a:r>
+              <a:rPr lang="en-US" sz="800" dirty="0"/>
+              <a:t>}</a:t>
+            </a:r>
+          </a:p>
+          <a:p>
+            <a:endParaRPr lang="en-US" sz="800" dirty="0"/>
+          </a:p>
+          <a:p>
+            <a:r>
+              <a:rPr lang="en-US" sz="800" dirty="0"/>
+              <a:t>main(){</a:t>
+            </a:r>
+          </a:p>
+          <a:p>
+            <a:r>
+              <a:rPr lang="en-US" sz="800" dirty="0"/>
+              <a:t>    int n;</a:t>
+            </a:r>
+          </a:p>
+          <a:p>
+            <a:r>
+              <a:rPr lang="en-US" sz="800" dirty="0"/>
+              <a:t>    f(1, n);</a:t>
+            </a:r>
+          </a:p>
+          <a:p>
+            <a:r>
+              <a:rPr lang="en-US" sz="800" dirty="0"/>
+              <a:t>}</a:t>
+            </a:r>
+          </a:p>
+        </p:txBody>
+      </p:sp>
+      <p:sp>
+        <p:nvSpPr>
+          <p:cNvPr id="8" name="TextBox 7">
+            <a:extLst>
+              <a:ext uri="{FF2B5EF4-FFF2-40B4-BE49-F238E27FC236}">
+                <a16:creationId xmlns:a16="http://schemas.microsoft.com/office/drawing/2014/main" id="{90DDF59F-8391-4424-9BCA-B3155214C3F6}"/>
+              </a:ext>
+            </a:extLst>
+          </p:cNvPr>
+          <p:cNvSpPr txBox="1"/>
+          <p:nvPr/>
+        </p:nvSpPr>
+        <p:spPr>
+          <a:xfrm>
+            <a:off x="2845031" y="2681758"/>
+            <a:ext cx="1348740" cy="1815882"/>
+          </a:xfrm>
+          <a:prstGeom prst="rect">
+            <a:avLst/>
+          </a:prstGeom>
+        </p:spPr>
+        <p:style>
+          <a:lnRef idx="1">
+            <a:schemeClr val="accent3"/>
+          </a:lnRef>
+          <a:fillRef idx="2">
+            <a:schemeClr val="accent3"/>
+          </a:fillRef>
+          <a:effectRef idx="1">
+            <a:schemeClr val="accent3"/>
+          </a:effectRef>
+          <a:fontRef idx="minor">
+            <a:schemeClr val="dk1"/>
+          </a:fontRef>
+        </p:style>
+        <p:txBody>
+          <a:bodyPr wrap="square">
+            <a:spAutoFit/>
+          </a:bodyPr>
+          <a:lstStyle/>
+          <a:p>
+            <a:r>
+              <a:rPr lang="en-IN" sz="800" i="1" dirty="0"/>
+              <a:t>2. Print linearly from N to 1</a:t>
+            </a:r>
+          </a:p>
+          <a:p>
+            <a:endParaRPr lang="en-US" sz="800" dirty="0"/>
+          </a:p>
+          <a:p>
+            <a:r>
+              <a:rPr lang="en-US" sz="800" dirty="0"/>
+              <a:t>void  f(int i){</a:t>
+            </a:r>
+          </a:p>
+          <a:p>
+            <a:r>
+              <a:rPr lang="en-US" sz="800" dirty="0"/>
+              <a:t>    if(i&lt;1){</a:t>
+            </a:r>
+          </a:p>
+          <a:p>
+            <a:r>
+              <a:rPr lang="en-US" sz="800" dirty="0"/>
+              <a:t>        return;</a:t>
+            </a:r>
+          </a:p>
+          <a:p>
+            <a:r>
+              <a:rPr lang="en-US" sz="800" dirty="0"/>
+              <a:t>    }</a:t>
+            </a:r>
+          </a:p>
+          <a:p>
+            <a:r>
+              <a:rPr lang="en-US" sz="800" dirty="0"/>
+              <a:t>    print(i);</a:t>
+            </a:r>
+          </a:p>
+          <a:p>
+            <a:r>
+              <a:rPr lang="en-US" sz="800" dirty="0"/>
+              <a:t>    f(i-1)</a:t>
+            </a:r>
+          </a:p>
+          <a:p>
+            <a:r>
+              <a:rPr lang="en-US" sz="800" dirty="0"/>
+              <a:t>}</a:t>
+            </a:r>
+          </a:p>
+          <a:p>
+            <a:endParaRPr lang="en-US" sz="800" dirty="0"/>
+          </a:p>
+          <a:p>
+            <a:r>
+              <a:rPr lang="en-US" sz="800" dirty="0"/>
+              <a:t>main(){</a:t>
+            </a:r>
+          </a:p>
+          <a:p>
+            <a:r>
+              <a:rPr lang="en-US" sz="800" dirty="0"/>
+              <a:t>    int n;</a:t>
+            </a:r>
+          </a:p>
+          <a:p>
+            <a:r>
+              <a:rPr lang="en-US" sz="800" dirty="0"/>
+              <a:t>    f(n);</a:t>
+            </a:r>
+          </a:p>
+          <a:p>
+            <a:r>
+              <a:rPr lang="en-US" sz="800" dirty="0"/>
+              <a:t>}</a:t>
+            </a:r>
+          </a:p>
+        </p:txBody>
+      </p:sp>
+      <p:sp>
+        <p:nvSpPr>
+          <p:cNvPr id="9" name="TextBox 8">
+            <a:extLst>
+              <a:ext uri="{FF2B5EF4-FFF2-40B4-BE49-F238E27FC236}">
+                <a16:creationId xmlns:a16="http://schemas.microsoft.com/office/drawing/2014/main" id="{66B283C5-60CB-40AD-94E4-D966EC81947A}"/>
+              </a:ext>
+            </a:extLst>
+          </p:cNvPr>
+          <p:cNvSpPr txBox="1"/>
+          <p:nvPr/>
+        </p:nvSpPr>
+        <p:spPr>
+          <a:xfrm>
+            <a:off x="4262351" y="2689378"/>
+            <a:ext cx="1348740" cy="1938992"/>
+          </a:xfrm>
+          <a:prstGeom prst="rect">
+            <a:avLst/>
+          </a:prstGeom>
+        </p:spPr>
+        <p:style>
+          <a:lnRef idx="1">
+            <a:schemeClr val="accent3"/>
+          </a:lnRef>
+          <a:fillRef idx="2">
+            <a:schemeClr val="accent3"/>
+          </a:fillRef>
+          <a:effectRef idx="1">
+            <a:schemeClr val="accent3"/>
+          </a:effectRef>
+          <a:fontRef idx="minor">
+            <a:schemeClr val="dk1"/>
+          </a:fontRef>
+        </p:style>
+        <p:txBody>
+          <a:bodyPr wrap="square">
+            <a:spAutoFit/>
+          </a:bodyPr>
+          <a:lstStyle/>
+          <a:p>
+            <a:r>
+              <a:rPr lang="en-IN" sz="800" i="1" dirty="0"/>
+              <a:t>4. Print linearly from 1 to N (Backtracking)</a:t>
+            </a:r>
+          </a:p>
+          <a:p>
+            <a:endParaRPr lang="en-US" sz="800" dirty="0"/>
+          </a:p>
+          <a:p>
+            <a:r>
+              <a:rPr lang="en-US" sz="800" dirty="0"/>
+              <a:t>void  f(int i){</a:t>
+            </a:r>
+          </a:p>
+          <a:p>
+            <a:r>
+              <a:rPr lang="en-US" sz="800" dirty="0"/>
+              <a:t>    if(i&lt;=0){</a:t>
+            </a:r>
+          </a:p>
+          <a:p>
+            <a:r>
+              <a:rPr lang="en-US" sz="800" dirty="0"/>
+              <a:t>        return;</a:t>
+            </a:r>
+          </a:p>
+          <a:p>
+            <a:r>
+              <a:rPr lang="en-US" sz="800" dirty="0"/>
+              <a:t>    }</a:t>
+            </a:r>
+          </a:p>
+          <a:p>
+            <a:r>
+              <a:rPr lang="en-US" sz="800" dirty="0"/>
+              <a:t>    f(i-1);</a:t>
+            </a:r>
+          </a:p>
+          <a:p>
+            <a:r>
+              <a:rPr lang="en-US" sz="800" dirty="0"/>
+              <a:t>    print(i);</a:t>
+            </a:r>
+          </a:p>
+          <a:p>
+            <a:r>
+              <a:rPr lang="en-US" sz="800" dirty="0"/>
+              <a:t>}</a:t>
+            </a:r>
+          </a:p>
+          <a:p>
+            <a:endParaRPr lang="en-US" sz="800" dirty="0"/>
+          </a:p>
+          <a:p>
+            <a:r>
+              <a:rPr lang="en-US" sz="800" dirty="0"/>
+              <a:t>main(){</a:t>
+            </a:r>
+          </a:p>
+          <a:p>
+            <a:r>
+              <a:rPr lang="en-US" sz="800" dirty="0"/>
+              <a:t>    int n;</a:t>
+            </a:r>
+          </a:p>
+          <a:p>
+            <a:r>
+              <a:rPr lang="en-US" sz="800" dirty="0"/>
+              <a:t>    f(1);</a:t>
+            </a:r>
+          </a:p>
+          <a:p>
+            <a:r>
+              <a:rPr lang="en-US" sz="800" dirty="0"/>
+              <a:t>}</a:t>
+            </a:r>
+          </a:p>
+        </p:txBody>
+      </p:sp>
+      <p:sp>
+        <p:nvSpPr>
+          <p:cNvPr id="10" name="TextBox 9">
+            <a:extLst>
+              <a:ext uri="{FF2B5EF4-FFF2-40B4-BE49-F238E27FC236}">
+                <a16:creationId xmlns:a16="http://schemas.microsoft.com/office/drawing/2014/main" id="{F70CB1B0-DCA4-461A-94E6-1B83FE7AA563}"/>
+              </a:ext>
+            </a:extLst>
+          </p:cNvPr>
+          <p:cNvSpPr txBox="1"/>
+          <p:nvPr/>
+        </p:nvSpPr>
+        <p:spPr>
+          <a:xfrm>
+            <a:off x="5738730" y="2698893"/>
+            <a:ext cx="1348740" cy="2062103"/>
+          </a:xfrm>
+          <a:prstGeom prst="rect">
+            <a:avLst/>
+          </a:prstGeom>
+        </p:spPr>
+        <p:style>
+          <a:lnRef idx="1">
+            <a:schemeClr val="accent3"/>
+          </a:lnRef>
+          <a:fillRef idx="2">
+            <a:schemeClr val="accent3"/>
+          </a:fillRef>
+          <a:effectRef idx="1">
+            <a:schemeClr val="accent3"/>
+          </a:effectRef>
+          <a:fontRef idx="minor">
+            <a:schemeClr val="dk1"/>
+          </a:fontRef>
+        </p:style>
+        <p:txBody>
+          <a:bodyPr wrap="square">
+            <a:spAutoFit/>
+          </a:bodyPr>
+          <a:lstStyle/>
+          <a:p>
+            <a:r>
+              <a:rPr lang="en-IN" sz="800" i="1" dirty="0"/>
+              <a:t>5. Print linearly from N to 1 (Backtracking)</a:t>
+            </a:r>
+          </a:p>
+          <a:p>
+            <a:endParaRPr lang="en-US" sz="800" dirty="0"/>
+          </a:p>
+          <a:p>
+            <a:r>
+              <a:rPr lang="en-US" sz="800" dirty="0"/>
+              <a:t>void  f(int I, int n){</a:t>
+            </a:r>
+          </a:p>
+          <a:p>
+            <a:r>
+              <a:rPr lang="en-US" sz="800" dirty="0"/>
+              <a:t>    if(i&gt;n){</a:t>
+            </a:r>
+          </a:p>
+          <a:p>
+            <a:r>
+              <a:rPr lang="en-US" sz="800" dirty="0"/>
+              <a:t>        return;</a:t>
+            </a:r>
+          </a:p>
+          <a:p>
+            <a:r>
+              <a:rPr lang="en-US" sz="800" dirty="0"/>
+              <a:t>    }</a:t>
+            </a:r>
+          </a:p>
+          <a:p>
+            <a:r>
+              <a:rPr lang="en-US" sz="800" dirty="0"/>
+              <a:t>    </a:t>
+            </a:r>
+          </a:p>
+          <a:p>
+            <a:r>
+              <a:rPr lang="en-US" sz="800" dirty="0"/>
+              <a:t>    f(i+1,n);</a:t>
+            </a:r>
+          </a:p>
+          <a:p>
+            <a:r>
+              <a:rPr lang="en-US" sz="800" dirty="0"/>
+              <a:t>    print(i);</a:t>
+            </a:r>
+          </a:p>
+          <a:p>
+            <a:r>
+              <a:rPr lang="en-US" sz="800" dirty="0"/>
+              <a:t>}</a:t>
+            </a:r>
+          </a:p>
+          <a:p>
+            <a:endParaRPr lang="en-US" sz="800" dirty="0"/>
+          </a:p>
+          <a:p>
+            <a:r>
+              <a:rPr lang="en-US" sz="800" dirty="0"/>
+              <a:t>main(){</a:t>
+            </a:r>
+          </a:p>
+          <a:p>
+            <a:r>
+              <a:rPr lang="en-US" sz="800" dirty="0"/>
+              <a:t>    int n;</a:t>
+            </a:r>
+          </a:p>
+          <a:p>
+            <a:r>
+              <a:rPr lang="en-US" sz="800" dirty="0"/>
+              <a:t>    f(0,n);</a:t>
+            </a:r>
+          </a:p>
+          <a:p>
+            <a:r>
+              <a:rPr lang="en-US" sz="800" dirty="0"/>
+              <a:t>}</a:t>
+            </a:r>
+          </a:p>
+        </p:txBody>
+      </p:sp>
+    </p:spTree>
+    <p:extLst>
+      <p:ext uri="{BB962C8B-B14F-4D97-AF65-F5344CB8AC3E}">
+        <p14:creationId xmlns:p14="http://schemas.microsoft.com/office/powerpoint/2010/main" val="4246992760"/>
+      </p:ext>
+    </p:extLst>
+  </p:cSld>
+  <p:clrMapOvr>
+    <a:masterClrMapping/>
+  </p:clrMapOvr>
+</p:sld>
+</file>
+
+<file path=ppt/slides/slide11.xml><?xml version="1.0" encoding="utf-8"?>
+<p:sld xmlns:a="http://schemas.openxmlformats.org/drawingml/2006/main" xmlns:r="http://schemas.openxmlformats.org/officeDocument/2006/relationships" xmlns:p="http://schemas.openxmlformats.org/presentationml/2006/main">
+  <p:cSld>
+    <p:spTree>
+      <p:nvGrpSpPr>
+        <p:cNvPr id="1" name=""/>
+        <p:cNvGrpSpPr/>
+        <p:nvPr/>
+      </p:nvGrpSpPr>
+      <p:grpSpPr>
+        <a:xfrm>
+          <a:off x="0" y="0"/>
+          <a:ext cx="0" cy="0"/>
+          <a:chOff x="0" y="0"/>
+          <a:chExt cx="0" cy="0"/>
+        </a:xfrm>
+      </p:grpSpPr>
+      <p:sp>
+        <p:nvSpPr>
+          <p:cNvPr id="2" name="Title 1">
+            <a:extLst>
+              <a:ext uri="{FF2B5EF4-FFF2-40B4-BE49-F238E27FC236}">
+                <a16:creationId xmlns:a16="http://schemas.microsoft.com/office/drawing/2014/main" id="{95FEFABF-DA11-9DEA-9CEB-72D48155E01C}"/>
+              </a:ext>
+            </a:extLst>
+          </p:cNvPr>
+          <p:cNvSpPr>
+            <a:spLocks noGrp="1"/>
+          </p:cNvSpPr>
+          <p:nvPr>
+            <p:ph type="title"/>
+          </p:nvPr>
+        </p:nvSpPr>
+        <p:spPr>
+          <a:xfrm>
+            <a:off x="103910" y="1"/>
+            <a:ext cx="1846810" cy="380999"/>
+          </a:xfrm>
+        </p:spPr>
+        <p:txBody>
+          <a:bodyPr>
+            <a:noAutofit/>
+          </a:bodyPr>
+          <a:lstStyle/>
+          <a:p>
+            <a:r>
+              <a:rPr lang="en-IN" sz="1400" b="1" u="sng" dirty="0"/>
+              <a:t>Sum of first N number:</a:t>
+            </a:r>
+            <a:endParaRPr lang="en-IN" sz="1400" dirty="0"/>
+          </a:p>
+        </p:txBody>
+      </p:sp>
+      <p:sp>
+        <p:nvSpPr>
+          <p:cNvPr id="7" name="TextBox 6">
+            <a:extLst>
+              <a:ext uri="{FF2B5EF4-FFF2-40B4-BE49-F238E27FC236}">
+                <a16:creationId xmlns:a16="http://schemas.microsoft.com/office/drawing/2014/main" id="{6AF79401-11D0-4BD8-BF81-2BCCFAC5166A}"/>
+              </a:ext>
+            </a:extLst>
+          </p:cNvPr>
+          <p:cNvSpPr txBox="1"/>
+          <p:nvPr/>
+        </p:nvSpPr>
+        <p:spPr>
+          <a:xfrm>
+            <a:off x="180110" y="384569"/>
+            <a:ext cx="1328650" cy="1077218"/>
+          </a:xfrm>
+          <a:prstGeom prst="rect">
+            <a:avLst/>
+          </a:prstGeom>
+        </p:spPr>
+        <p:style>
+          <a:lnRef idx="1">
+            <a:schemeClr val="accent3"/>
+          </a:lnRef>
+          <a:fillRef idx="2">
+            <a:schemeClr val="accent3"/>
+          </a:fillRef>
+          <a:effectRef idx="1">
+            <a:schemeClr val="accent3"/>
+          </a:effectRef>
+          <a:fontRef idx="minor">
+            <a:schemeClr val="dk1"/>
+          </a:fontRef>
+        </p:style>
+        <p:txBody>
+          <a:bodyPr wrap="square">
+            <a:spAutoFit/>
+          </a:bodyPr>
+          <a:lstStyle/>
+          <a:p>
+            <a:pPr marL="228600" indent="-228600">
+              <a:buAutoNum type="arabicPeriod"/>
+            </a:pPr>
+            <a:r>
+              <a:rPr lang="en-IN" sz="800" i="1" dirty="0"/>
+              <a:t>Using for loop</a:t>
+            </a:r>
+          </a:p>
+          <a:p>
+            <a:endParaRPr lang="en-US" sz="800" dirty="0"/>
+          </a:p>
+          <a:p>
+            <a:r>
+              <a:rPr lang="en-US" sz="800" dirty="0"/>
+              <a:t>void  f(int i){</a:t>
+            </a:r>
+          </a:p>
+          <a:p>
+            <a:r>
+              <a:rPr lang="en-US" sz="800" dirty="0"/>
+              <a:t>    int sum = 0;</a:t>
+            </a:r>
+          </a:p>
+          <a:p>
+            <a:r>
+              <a:rPr lang="en-US" sz="800" dirty="0"/>
+              <a:t>    for(int i=0; i&lt;=n ; i++){</a:t>
+            </a:r>
+          </a:p>
+          <a:p>
+            <a:r>
+              <a:rPr lang="en-US" sz="800" dirty="0"/>
+              <a:t>        sum = sum + i;</a:t>
+            </a:r>
+          </a:p>
+          <a:p>
+            <a:r>
+              <a:rPr lang="en-US" sz="800" dirty="0"/>
+              <a:t>    }</a:t>
+            </a:r>
+          </a:p>
+          <a:p>
+            <a:r>
+              <a:rPr lang="en-US" sz="800" dirty="0"/>
+              <a:t>}</a:t>
+            </a:r>
+          </a:p>
+        </p:txBody>
+      </p:sp>
+      <p:sp>
+        <p:nvSpPr>
+          <p:cNvPr id="11" name="TextBox 10">
+            <a:extLst>
+              <a:ext uri="{FF2B5EF4-FFF2-40B4-BE49-F238E27FC236}">
+                <a16:creationId xmlns:a16="http://schemas.microsoft.com/office/drawing/2014/main" id="{E816D632-D8B3-4B54-9E5E-CE5923B73534}"/>
+              </a:ext>
+            </a:extLst>
+          </p:cNvPr>
+          <p:cNvSpPr txBox="1"/>
+          <p:nvPr/>
+        </p:nvSpPr>
+        <p:spPr>
+          <a:xfrm>
+            <a:off x="2359430" y="381000"/>
+            <a:ext cx="1572490" cy="1815882"/>
+          </a:xfrm>
+          <a:prstGeom prst="rect">
+            <a:avLst/>
+          </a:prstGeom>
+        </p:spPr>
+        <p:style>
+          <a:lnRef idx="1">
+            <a:schemeClr val="accent3"/>
+          </a:lnRef>
+          <a:fillRef idx="2">
+            <a:schemeClr val="accent3"/>
+          </a:fillRef>
+          <a:effectRef idx="1">
+            <a:schemeClr val="accent3"/>
+          </a:effectRef>
+          <a:fontRef idx="minor">
+            <a:schemeClr val="dk1"/>
+          </a:fontRef>
+        </p:style>
+        <p:txBody>
+          <a:bodyPr wrap="square">
+            <a:spAutoFit/>
+          </a:bodyPr>
+          <a:lstStyle/>
+          <a:p>
+            <a:r>
+              <a:rPr lang="en-IN" sz="800" i="1" dirty="0"/>
+              <a:t>2. Parameterised Function call</a:t>
+            </a:r>
+          </a:p>
+          <a:p>
+            <a:endParaRPr lang="en-US" sz="800" dirty="0"/>
+          </a:p>
+          <a:p>
+            <a:r>
+              <a:rPr lang="en-US" sz="800" dirty="0"/>
+              <a:t>void  f(int I, int sum){</a:t>
+            </a:r>
+          </a:p>
+          <a:p>
+            <a:r>
+              <a:rPr lang="en-US" sz="800" dirty="0"/>
+              <a:t>    if(i&lt;1){</a:t>
+            </a:r>
+          </a:p>
+          <a:p>
+            <a:r>
+              <a:rPr lang="en-US" sz="800" dirty="0"/>
+              <a:t>        print(sum);</a:t>
+            </a:r>
+          </a:p>
+          <a:p>
+            <a:r>
+              <a:rPr lang="en-US" sz="800" dirty="0"/>
+              <a:t>        return;</a:t>
+            </a:r>
+          </a:p>
+          <a:p>
+            <a:r>
+              <a:rPr lang="en-US" sz="800" dirty="0"/>
+              <a:t>    }</a:t>
+            </a:r>
+          </a:p>
+          <a:p>
+            <a:r>
+              <a:rPr lang="en-US" sz="800" dirty="0"/>
+              <a:t>     f(i - 1, sum + i);</a:t>
+            </a:r>
+          </a:p>
+          <a:p>
+            <a:r>
+              <a:rPr lang="en-US" sz="800" dirty="0"/>
+              <a:t>}</a:t>
+            </a:r>
+          </a:p>
+          <a:p>
+            <a:endParaRPr lang="en-US" sz="800" dirty="0"/>
+          </a:p>
+          <a:p>
+            <a:r>
+              <a:rPr lang="en-US" sz="800" dirty="0"/>
+              <a:t>Main(){</a:t>
+            </a:r>
+          </a:p>
+          <a:p>
+            <a:r>
+              <a:rPr lang="en-US" sz="800" dirty="0"/>
+              <a:t>    int n;</a:t>
+            </a:r>
+          </a:p>
+          <a:p>
+            <a:r>
+              <a:rPr lang="en-US" sz="800" dirty="0"/>
+              <a:t>    f(n, 0);</a:t>
+            </a:r>
+          </a:p>
+          <a:p>
+            <a:r>
+              <a:rPr lang="en-US" sz="800" dirty="0"/>
+              <a:t>}</a:t>
+            </a:r>
+          </a:p>
+        </p:txBody>
+      </p:sp>
+      <p:sp>
+        <p:nvSpPr>
+          <p:cNvPr id="12" name="TextBox 11">
+            <a:extLst>
+              <a:ext uri="{FF2B5EF4-FFF2-40B4-BE49-F238E27FC236}">
+                <a16:creationId xmlns:a16="http://schemas.microsoft.com/office/drawing/2014/main" id="{8085C840-724C-4634-9301-72493CEA4EA6}"/>
+              </a:ext>
+            </a:extLst>
+          </p:cNvPr>
+          <p:cNvSpPr txBox="1"/>
+          <p:nvPr/>
+        </p:nvSpPr>
+        <p:spPr>
+          <a:xfrm>
+            <a:off x="4454930" y="403860"/>
+            <a:ext cx="1572490" cy="1692771"/>
+          </a:xfrm>
+          <a:prstGeom prst="rect">
+            <a:avLst/>
+          </a:prstGeom>
+        </p:spPr>
+        <p:style>
+          <a:lnRef idx="1">
+            <a:schemeClr val="accent3"/>
+          </a:lnRef>
+          <a:fillRef idx="2">
+            <a:schemeClr val="accent3"/>
+          </a:fillRef>
+          <a:effectRef idx="1">
+            <a:schemeClr val="accent3"/>
+          </a:effectRef>
+          <a:fontRef idx="minor">
+            <a:schemeClr val="dk1"/>
+          </a:fontRef>
+        </p:style>
+        <p:txBody>
+          <a:bodyPr wrap="square">
+            <a:spAutoFit/>
+          </a:bodyPr>
+          <a:lstStyle/>
+          <a:p>
+            <a:r>
+              <a:rPr lang="en-IN" sz="800" i="1" dirty="0"/>
+              <a:t>2. Functional Recursion call</a:t>
+            </a:r>
+          </a:p>
+          <a:p>
+            <a:endParaRPr lang="en-US" sz="800" dirty="0"/>
+          </a:p>
+          <a:p>
+            <a:r>
+              <a:rPr lang="en-US" sz="800" dirty="0"/>
+              <a:t>int  f(int n){</a:t>
+            </a:r>
+          </a:p>
+          <a:p>
+            <a:r>
+              <a:rPr lang="en-US" sz="800" dirty="0"/>
+              <a:t>    if(n&lt;0){</a:t>
+            </a:r>
+          </a:p>
+          <a:p>
+            <a:r>
+              <a:rPr lang="en-US" sz="800" dirty="0"/>
+              <a:t>        return 0;</a:t>
+            </a:r>
+          </a:p>
+          <a:p>
+            <a:r>
+              <a:rPr lang="en-US" sz="800" dirty="0"/>
+              <a:t>    }</a:t>
+            </a:r>
+          </a:p>
+          <a:p>
+            <a:r>
+              <a:rPr lang="en-US" sz="800" dirty="0"/>
+              <a:t>     return n + f(n-1);</a:t>
+            </a:r>
+          </a:p>
+          <a:p>
+            <a:r>
+              <a:rPr lang="en-US" sz="800" dirty="0"/>
+              <a:t>}</a:t>
+            </a:r>
+          </a:p>
+          <a:p>
+            <a:endParaRPr lang="en-US" sz="800" dirty="0"/>
+          </a:p>
+          <a:p>
+            <a:r>
+              <a:rPr lang="en-US" sz="800" dirty="0"/>
+              <a:t>Main(){</a:t>
+            </a:r>
+          </a:p>
+          <a:p>
+            <a:r>
+              <a:rPr lang="en-US" sz="800" dirty="0"/>
+              <a:t>    int n;</a:t>
+            </a:r>
+          </a:p>
+          <a:p>
+            <a:r>
+              <a:rPr lang="en-US" sz="800" dirty="0"/>
+              <a:t>    f(n);</a:t>
+            </a:r>
+          </a:p>
+          <a:p>
+            <a:r>
+              <a:rPr lang="en-US" sz="800" dirty="0"/>
+              <a:t>}</a:t>
+            </a:r>
+          </a:p>
+        </p:txBody>
+      </p:sp>
+      <p:sp>
+        <p:nvSpPr>
+          <p:cNvPr id="13" name="Title 1">
+            <a:extLst>
+              <a:ext uri="{FF2B5EF4-FFF2-40B4-BE49-F238E27FC236}">
+                <a16:creationId xmlns:a16="http://schemas.microsoft.com/office/drawing/2014/main" id="{987055AB-968A-4010-B156-79A3425AE1EB}"/>
+              </a:ext>
+            </a:extLst>
+          </p:cNvPr>
+          <p:cNvSpPr txBox="1">
+            <a:spLocks/>
+          </p:cNvSpPr>
+          <p:nvPr/>
+        </p:nvSpPr>
+        <p:spPr>
+          <a:xfrm>
+            <a:off x="126770" y="2590801"/>
+            <a:ext cx="2326870" cy="380999"/>
+          </a:xfrm>
+          <a:prstGeom prst="rect">
+            <a:avLst/>
+          </a:prstGeom>
+        </p:spPr>
+        <p:txBody>
+          <a:bodyPr vert="horz" lIns="91440" tIns="45720" rIns="91440" bIns="45720" rtlCol="0" anchor="ctr">
+            <a:noAutofit/>
+          </a:bodyPr>
+          <a:lstStyle>
+            <a:lvl1pPr algn="l" defTabSz="914400" rtl="0" eaLnBrk="1" latinLnBrk="0" hangingPunct="1">
+              <a:lnSpc>
+                <a:spcPct val="90000"/>
+              </a:lnSpc>
+              <a:spcBef>
+                <a:spcPct val="0"/>
+              </a:spcBef>
+              <a:buNone/>
+              <a:defRPr sz="4400" kern="1200">
+                <a:solidFill>
+                  <a:schemeClr val="tx1"/>
+                </a:solidFill>
+                <a:latin typeface="+mj-lt"/>
+                <a:ea typeface="+mj-ea"/>
+                <a:cs typeface="+mj-cs"/>
+              </a:defRPr>
+            </a:lvl1pPr>
+          </a:lstStyle>
+          <a:p>
+            <a:r>
+              <a:rPr lang="en-IN" sz="1400" b="1" u="sng" dirty="0"/>
+              <a:t>Factorial of first N number:</a:t>
+            </a:r>
+            <a:endParaRPr lang="en-IN" sz="1400" dirty="0"/>
+          </a:p>
+        </p:txBody>
+      </p:sp>
+      <p:sp>
+        <p:nvSpPr>
+          <p:cNvPr id="14" name="TextBox 13">
+            <a:extLst>
+              <a:ext uri="{FF2B5EF4-FFF2-40B4-BE49-F238E27FC236}">
+                <a16:creationId xmlns:a16="http://schemas.microsoft.com/office/drawing/2014/main" id="{8FFD5D76-300A-4446-8EB1-7C8465CBA6BF}"/>
+              </a:ext>
+            </a:extLst>
+          </p:cNvPr>
+          <p:cNvSpPr txBox="1"/>
+          <p:nvPr/>
+        </p:nvSpPr>
+        <p:spPr>
+          <a:xfrm>
+            <a:off x="157249" y="3013469"/>
+            <a:ext cx="1426018" cy="1692771"/>
+          </a:xfrm>
+          <a:prstGeom prst="rect">
+            <a:avLst/>
+          </a:prstGeom>
+        </p:spPr>
+        <p:style>
+          <a:lnRef idx="1">
+            <a:schemeClr val="accent3"/>
+          </a:lnRef>
+          <a:fillRef idx="2">
+            <a:schemeClr val="accent3"/>
+          </a:fillRef>
+          <a:effectRef idx="1">
+            <a:schemeClr val="accent3"/>
+          </a:effectRef>
+          <a:fontRef idx="minor">
+            <a:schemeClr val="dk1"/>
+          </a:fontRef>
+        </p:style>
+        <p:txBody>
+          <a:bodyPr wrap="square">
+            <a:spAutoFit/>
+          </a:bodyPr>
+          <a:lstStyle/>
+          <a:p>
+            <a:pPr marL="228600" indent="-228600">
+              <a:buAutoNum type="arabicPeriod"/>
+            </a:pPr>
+            <a:r>
+              <a:rPr lang="en-IN" sz="800" i="1" dirty="0"/>
+              <a:t>Using for loop</a:t>
+            </a:r>
+          </a:p>
+          <a:p>
+            <a:endParaRPr lang="en-US" sz="800" dirty="0"/>
+          </a:p>
+          <a:p>
+            <a:r>
+              <a:rPr lang="en-US" sz="800" dirty="0"/>
+              <a:t>int   f(int n){</a:t>
+            </a:r>
+          </a:p>
+          <a:p>
+            <a:r>
+              <a:rPr lang="en-US" sz="800" dirty="0"/>
+              <a:t>     if(n == 0 || n ==1) return 1;</a:t>
+            </a:r>
+          </a:p>
+          <a:p>
+            <a:r>
+              <a:rPr lang="en-US" sz="800" dirty="0"/>
+              <a:t>    int fact =1;</a:t>
+            </a:r>
+          </a:p>
+          <a:p>
+            <a:r>
+              <a:rPr lang="en-US" sz="800" dirty="0"/>
+              <a:t>    for(int i=2; i&lt;=n ; i++){</a:t>
+            </a:r>
+          </a:p>
+          <a:p>
+            <a:r>
+              <a:rPr lang="en-US" sz="800" dirty="0"/>
+              <a:t>        fact = fact * i;</a:t>
+            </a:r>
+          </a:p>
+          <a:p>
+            <a:r>
+              <a:rPr lang="en-US" sz="800" dirty="0"/>
+              <a:t>    }</a:t>
+            </a:r>
+          </a:p>
+          <a:p>
+            <a:r>
+              <a:rPr lang="en-US" sz="800" dirty="0"/>
+              <a:t>}</a:t>
+            </a:r>
+          </a:p>
+          <a:p>
+            <a:endParaRPr lang="en-US" sz="800" dirty="0"/>
+          </a:p>
+          <a:p>
+            <a:r>
+              <a:rPr lang="en-US" sz="800" dirty="0"/>
+              <a:t>Main(){</a:t>
+            </a:r>
+          </a:p>
+          <a:p>
+            <a:r>
+              <a:rPr lang="en-US" sz="800" dirty="0"/>
+              <a:t>    f(n);</a:t>
+            </a:r>
+          </a:p>
+          <a:p>
+            <a:r>
+              <a:rPr lang="en-US" sz="800" dirty="0"/>
+              <a:t>}</a:t>
+            </a:r>
+          </a:p>
+        </p:txBody>
+      </p:sp>
+      <p:sp>
+        <p:nvSpPr>
+          <p:cNvPr id="15" name="TextBox 14">
+            <a:extLst>
+              <a:ext uri="{FF2B5EF4-FFF2-40B4-BE49-F238E27FC236}">
+                <a16:creationId xmlns:a16="http://schemas.microsoft.com/office/drawing/2014/main" id="{9DC4BB2C-E85D-45D6-A57C-0D178B5AF4E4}"/>
+              </a:ext>
+            </a:extLst>
+          </p:cNvPr>
+          <p:cNvSpPr txBox="1"/>
+          <p:nvPr/>
+        </p:nvSpPr>
+        <p:spPr>
+          <a:xfrm>
+            <a:off x="4454930" y="3013469"/>
+            <a:ext cx="1426018" cy="1446550"/>
+          </a:xfrm>
+          <a:prstGeom prst="rect">
+            <a:avLst/>
+          </a:prstGeom>
+        </p:spPr>
+        <p:style>
+          <a:lnRef idx="1">
+            <a:schemeClr val="accent3"/>
+          </a:lnRef>
+          <a:fillRef idx="2">
+            <a:schemeClr val="accent3"/>
+          </a:fillRef>
+          <a:effectRef idx="1">
+            <a:schemeClr val="accent3"/>
+          </a:effectRef>
+          <a:fontRef idx="minor">
+            <a:schemeClr val="dk1"/>
+          </a:fontRef>
+        </p:style>
+        <p:txBody>
+          <a:bodyPr wrap="square">
+            <a:spAutoFit/>
+          </a:bodyPr>
+          <a:lstStyle/>
+          <a:p>
+            <a:pPr marL="228600" indent="-228600">
+              <a:buAutoNum type="arabicPeriod"/>
+            </a:pPr>
+            <a:r>
+              <a:rPr lang="en-IN" sz="800" i="1" dirty="0"/>
+              <a:t>Using functional loop</a:t>
+            </a:r>
+          </a:p>
+          <a:p>
+            <a:endParaRPr lang="en-US" sz="800" dirty="0"/>
+          </a:p>
+          <a:p>
+            <a:r>
+              <a:rPr lang="en-US" sz="800" dirty="0"/>
+              <a:t>int   f(int n){</a:t>
+            </a:r>
+          </a:p>
+          <a:p>
+            <a:r>
+              <a:rPr lang="en-US" sz="800" dirty="0"/>
+              <a:t>     if(n &lt;=1) return 1;</a:t>
+            </a:r>
+          </a:p>
+          <a:p>
+            <a:r>
+              <a:rPr lang="en-US" sz="800" dirty="0"/>
+              <a:t>     </a:t>
+            </a:r>
+          </a:p>
+          <a:p>
+            <a:r>
+              <a:rPr lang="en-US" sz="800" dirty="0"/>
+              <a:t>     return n * f(n-1);</a:t>
+            </a:r>
+          </a:p>
+          <a:p>
+            <a:r>
+              <a:rPr lang="en-US" sz="800" dirty="0"/>
+              <a:t>}</a:t>
+            </a:r>
+          </a:p>
+          <a:p>
+            <a:endParaRPr lang="en-US" sz="800" dirty="0"/>
+          </a:p>
+          <a:p>
+            <a:r>
+              <a:rPr lang="en-US" sz="800" dirty="0"/>
+              <a:t>Main(){</a:t>
+            </a:r>
+          </a:p>
+          <a:p>
+            <a:r>
+              <a:rPr lang="en-US" sz="800" dirty="0"/>
+              <a:t>    f(n);</a:t>
+            </a:r>
+          </a:p>
+          <a:p>
+            <a:r>
+              <a:rPr lang="en-US" sz="800" dirty="0"/>
+              <a:t>}</a:t>
+            </a:r>
+          </a:p>
+        </p:txBody>
+      </p:sp>
+    </p:spTree>
+    <p:extLst>
+      <p:ext uri="{BB962C8B-B14F-4D97-AF65-F5344CB8AC3E}">
+        <p14:creationId xmlns:p14="http://schemas.microsoft.com/office/powerpoint/2010/main" val="135544113"/>
+      </p:ext>
+    </p:extLst>
+  </p:cSld>
+  <p:clrMapOvr>
+    <a:masterClrMapping/>
+  </p:clrMapOvr>
+</p:sld>
+</file>
+
+<file path=ppt/slides/slide12.xml><?xml version="1.0" encoding="utf-8"?>
+<p:sld xmlns:a="http://schemas.openxmlformats.org/drawingml/2006/main" xmlns:r="http://schemas.openxmlformats.org/officeDocument/2006/relationships" xmlns:p="http://schemas.openxmlformats.org/presentationml/2006/main">
+  <p:cSld>
+    <p:bg>
+      <p:bgPr>
+        <a:noFill/>
+        <a:effectLst/>
+      </p:bgPr>
+    </p:bg>
+    <p:spTree>
+      <p:nvGrpSpPr>
+        <p:cNvPr id="1" name=""/>
+        <p:cNvGrpSpPr/>
+        <p:nvPr/>
+      </p:nvGrpSpPr>
+      <p:grpSpPr>
+        <a:xfrm>
+          <a:off x="0" y="0"/>
+          <a:ext cx="0" cy="0"/>
+          <a:chOff x="0" y="0"/>
+          <a:chExt cx="0" cy="0"/>
+        </a:xfrm>
+      </p:grpSpPr>
+      <p:sp>
+        <p:nvSpPr>
+          <p:cNvPr id="5" name="TextBox 4">
+            <a:extLst>
+              <a:ext uri="{FF2B5EF4-FFF2-40B4-BE49-F238E27FC236}">
+                <a16:creationId xmlns:a16="http://schemas.microsoft.com/office/drawing/2014/main" id="{A6BA5475-1605-4A18-96FC-610EF9E3B2C7}"/>
+              </a:ext>
+            </a:extLst>
+          </p:cNvPr>
+          <p:cNvSpPr txBox="1"/>
+          <p:nvPr/>
+        </p:nvSpPr>
+        <p:spPr>
+          <a:xfrm>
+            <a:off x="0" y="31233"/>
+            <a:ext cx="3475567" cy="261610"/>
           </a:xfrm>
           <a:prstGeom prst="rect">
             <a:avLst/>
@@ -3646,124 +4957,3308 @@
           <a:noFill/>
         </p:spPr>
         <p:txBody>
-          <a:bodyPr wrap="square" rtlCol="0">
+          <a:bodyPr wrap="square">
             <a:spAutoFit/>
           </a:bodyPr>
           <a:lstStyle/>
           <a:p>
             <a:r>
-              <a:rPr lang="en-IN" sz="1100" i="1" dirty="0"/>
-              <a:t>1. Print Name 5 times</a:t>
-            </a:r>
-          </a:p>
-          <a:p>
-            <a:endParaRPr lang="en-IN" sz="1100" i="1" dirty="0"/>
-          </a:p>
-          <a:p>
-            <a:r>
-              <a:rPr lang="en-IN" sz="1100" i="1" dirty="0"/>
-              <a:t>void  f(int </a:t>
-            </a:r>
-            <a:r>
-              <a:rPr lang="en-IN" sz="1100" i="1" dirty="0" err="1"/>
-              <a:t>i,int</a:t>
-            </a:r>
-            <a:r>
-              <a:rPr lang="en-IN" sz="1100" i="1" dirty="0"/>
-              <a:t>  n){</a:t>
-            </a:r>
-          </a:p>
-          <a:p>
-            <a:r>
-              <a:rPr lang="en-IN" sz="1100" i="1" dirty="0"/>
-              <a:t>    if(</a:t>
-            </a:r>
-            <a:r>
-              <a:rPr lang="en-IN" sz="1100" i="1" dirty="0" err="1"/>
-              <a:t>i</a:t>
-            </a:r>
-            <a:r>
-              <a:rPr lang="en-IN" sz="1100" i="1" dirty="0"/>
-              <a:t>&gt;n){</a:t>
-            </a:r>
-          </a:p>
-          <a:p>
-            <a:r>
-              <a:rPr lang="en-IN" sz="1100" i="1" dirty="0"/>
-              <a:t>        return;</a:t>
-            </a:r>
-          </a:p>
-          <a:p>
-            <a:r>
-              <a:rPr lang="en-IN" sz="1100" i="1" dirty="0"/>
-              <a:t>    }</a:t>
-            </a:r>
-          </a:p>
-          <a:p>
-            <a:r>
-              <a:rPr lang="en-IN" sz="1100" i="1" dirty="0"/>
-              <a:t>    print(</a:t>
-            </a:r>
-            <a:r>
-              <a:rPr lang="en-IN" sz="1100" i="1" dirty="0" err="1"/>
-              <a:t>i</a:t>
-            </a:r>
-            <a:r>
-              <a:rPr lang="en-IN" sz="1100" i="1" dirty="0"/>
-              <a:t>);</a:t>
-            </a:r>
-          </a:p>
-          <a:p>
-            <a:r>
-              <a:rPr lang="en-IN" sz="1100" i="1" dirty="0"/>
-              <a:t>    f(i+1, n)</a:t>
-            </a:r>
-          </a:p>
-          <a:p>
-            <a:r>
-              <a:rPr lang="en-IN" sz="1100" i="1" dirty="0"/>
+              <a:rPr lang="en-US" sz="1100" b="1" u="sng" dirty="0">
+                <a:solidFill>
+                  <a:srgbClr val="FF0000"/>
+                </a:solidFill>
+              </a:rPr>
+              <a:t>Largest Sum Contiguous Subarray (KADANE’s Algorithm)</a:t>
+            </a:r>
+          </a:p>
+        </p:txBody>
+      </p:sp>
+      <p:sp>
+        <p:nvSpPr>
+          <p:cNvPr id="7" name="TextBox 6">
+            <a:extLst>
+              <a:ext uri="{FF2B5EF4-FFF2-40B4-BE49-F238E27FC236}">
+                <a16:creationId xmlns:a16="http://schemas.microsoft.com/office/drawing/2014/main" id="{B57C8912-D124-44D6-B80B-97377A854E98}"/>
+              </a:ext>
+            </a:extLst>
+          </p:cNvPr>
+          <p:cNvSpPr txBox="1"/>
+          <p:nvPr/>
+        </p:nvSpPr>
+        <p:spPr>
+          <a:xfrm>
+            <a:off x="3371849" y="31233"/>
+            <a:ext cx="7110413" cy="261610"/>
+          </a:xfrm>
+          <a:prstGeom prst="rect">
+            <a:avLst/>
+          </a:prstGeom>
+          <a:noFill/>
+        </p:spPr>
+        <p:txBody>
+          <a:bodyPr wrap="square">
+            <a:spAutoFit/>
+          </a:bodyPr>
+          <a:lstStyle/>
+          <a:p>
+            <a:r>
+              <a:rPr lang="en-US" sz="1100" b="0" i="0" dirty="0">
+                <a:solidFill>
+                  <a:srgbClr val="273239"/>
+                </a:solidFill>
+                <a:effectLst/>
+                <a:latin typeface="urw-din"/>
+              </a:rPr>
+              <a:t>Given an array </a:t>
+            </a:r>
+            <a:r>
+              <a:rPr lang="en-US" sz="1100" b="1" i="0" dirty="0">
+                <a:solidFill>
+                  <a:srgbClr val="273239"/>
+                </a:solidFill>
+                <a:effectLst/>
+                <a:latin typeface="urw-din"/>
+              </a:rPr>
+              <a:t>arr[]</a:t>
+            </a:r>
+            <a:r>
+              <a:rPr lang="en-US" sz="1100" b="0" i="0" dirty="0">
+                <a:solidFill>
+                  <a:srgbClr val="273239"/>
+                </a:solidFill>
+                <a:effectLst/>
+                <a:latin typeface="urw-din"/>
+              </a:rPr>
+              <a:t> of size </a:t>
+            </a:r>
+            <a:r>
+              <a:rPr lang="en-US" sz="1100" b="1" i="0" dirty="0">
+                <a:solidFill>
+                  <a:srgbClr val="273239"/>
+                </a:solidFill>
+                <a:effectLst/>
+                <a:latin typeface="urw-din"/>
+              </a:rPr>
+              <a:t>N</a:t>
+            </a:r>
+            <a:r>
+              <a:rPr lang="en-US" sz="1100" b="0" i="0" dirty="0">
+                <a:solidFill>
+                  <a:srgbClr val="273239"/>
+                </a:solidFill>
+                <a:effectLst/>
+                <a:latin typeface="urw-din"/>
+              </a:rPr>
+              <a:t>.</a:t>
+            </a:r>
+            <a:r>
+              <a:rPr lang="en-US" sz="1100" b="1" i="0" dirty="0">
+                <a:solidFill>
+                  <a:srgbClr val="273239"/>
+                </a:solidFill>
+                <a:effectLst/>
+                <a:latin typeface="urw-din"/>
+              </a:rPr>
+              <a:t> </a:t>
+            </a:r>
+            <a:r>
+              <a:rPr lang="en-US" sz="1100" b="0" i="0" dirty="0">
+                <a:solidFill>
+                  <a:srgbClr val="273239"/>
+                </a:solidFill>
+                <a:effectLst/>
+                <a:latin typeface="urw-din"/>
+              </a:rPr>
+              <a:t>The task is to find the sum of the contiguous subarray within an </a:t>
+            </a:r>
+            <a:r>
+              <a:rPr lang="en-US" sz="1100" b="1" i="0" dirty="0">
+                <a:solidFill>
+                  <a:srgbClr val="273239"/>
+                </a:solidFill>
+                <a:effectLst/>
+                <a:latin typeface="urw-din"/>
+              </a:rPr>
+              <a:t>arr[]</a:t>
+            </a:r>
+            <a:r>
+              <a:rPr lang="en-US" sz="1100" b="0" i="0" dirty="0">
+                <a:solidFill>
+                  <a:srgbClr val="273239"/>
+                </a:solidFill>
+                <a:effectLst/>
+                <a:latin typeface="urw-din"/>
+              </a:rPr>
+              <a:t> with the largest sum</a:t>
+            </a:r>
+            <a:endParaRPr lang="en-US" sz="1100" dirty="0"/>
+          </a:p>
+        </p:txBody>
+      </p:sp>
+      <p:pic>
+        <p:nvPicPr>
+          <p:cNvPr id="1026" name="Picture 2" descr="Lightbox">
+            <a:extLst>
+              <a:ext uri="{FF2B5EF4-FFF2-40B4-BE49-F238E27FC236}">
+                <a16:creationId xmlns:a16="http://schemas.microsoft.com/office/drawing/2014/main" id="{9CFFE039-00E9-4F98-95E2-77EDC3D73E69}"/>
+              </a:ext>
+            </a:extLst>
+          </p:cNvPr>
+          <p:cNvPicPr>
+            <a:picLocks noChangeAspect="1" noChangeArrowheads="1"/>
+          </p:cNvPicPr>
+          <p:nvPr/>
+        </p:nvPicPr>
+        <p:blipFill>
+          <a:blip r:embed="rId2">
+            <a:extLst>
+              <a:ext uri="{28A0092B-C50C-407E-A947-70E740481C1C}">
+                <a14:useLocalDpi xmlns:a14="http://schemas.microsoft.com/office/drawing/2010/main" val="0"/>
+              </a:ext>
+            </a:extLst>
+          </a:blip>
+          <a:srcRect/>
+          <a:stretch>
+            <a:fillRect/>
+          </a:stretch>
+        </p:blipFill>
+        <p:spPr bwMode="auto">
+          <a:xfrm>
+            <a:off x="114300" y="376239"/>
+            <a:ext cx="2762250" cy="1689674"/>
+          </a:xfrm>
+          <a:prstGeom prst="rect">
+            <a:avLst/>
+          </a:prstGeom>
+          <a:noFill/>
+          <a:extLst>
+            <a:ext uri="{909E8E84-426E-40DD-AFC4-6F175D3DCCD1}">
+              <a14:hiddenFill xmlns:a14="http://schemas.microsoft.com/office/drawing/2010/main">
+                <a:solidFill>
+                  <a:srgbClr val="FFFFFF"/>
+                </a:solidFill>
+              </a14:hiddenFill>
+            </a:ext>
+          </a:extLst>
+        </p:spPr>
+      </p:pic>
+      <p:sp>
+        <p:nvSpPr>
+          <p:cNvPr id="10" name="TextBox 9">
+            <a:extLst>
+              <a:ext uri="{FF2B5EF4-FFF2-40B4-BE49-F238E27FC236}">
+                <a16:creationId xmlns:a16="http://schemas.microsoft.com/office/drawing/2014/main" id="{2E4878AE-BF82-479A-A038-93499ED725BC}"/>
+              </a:ext>
+            </a:extLst>
+          </p:cNvPr>
+          <p:cNvSpPr txBox="1"/>
+          <p:nvPr/>
+        </p:nvSpPr>
+        <p:spPr>
+          <a:xfrm>
+            <a:off x="114300" y="2220089"/>
+            <a:ext cx="2959100" cy="2031325"/>
+          </a:xfrm>
+          <a:prstGeom prst="rect">
+            <a:avLst/>
+          </a:prstGeom>
+          <a:noFill/>
+        </p:spPr>
+        <p:txBody>
+          <a:bodyPr wrap="square">
+            <a:spAutoFit/>
+          </a:bodyPr>
+          <a:lstStyle/>
+          <a:p>
+            <a:pPr algn="l" fontAlgn="base"/>
+            <a:r>
+              <a:rPr lang="en-US" sz="1050" b="1" i="1" dirty="0">
+                <a:solidFill>
+                  <a:srgbClr val="00B0F0"/>
+                </a:solidFill>
+                <a:effectLst/>
+                <a:latin typeface="urw-din"/>
+              </a:rPr>
+              <a:t>Pseudocode:</a:t>
+            </a:r>
+          </a:p>
+          <a:p>
+            <a:pPr algn="l" fontAlgn="base"/>
+            <a:endParaRPr lang="en-US" sz="1050" b="1" i="1" dirty="0">
+              <a:solidFill>
+                <a:srgbClr val="00B0F0"/>
+              </a:solidFill>
+              <a:effectLst/>
+              <a:latin typeface="urw-din"/>
+            </a:endParaRPr>
+          </a:p>
+          <a:p>
+            <a:pPr algn="l" fontAlgn="base"/>
+            <a:r>
+              <a:rPr lang="en-US" sz="1050" b="0" i="1" dirty="0">
+                <a:solidFill>
+                  <a:srgbClr val="273239"/>
+                </a:solidFill>
+                <a:effectLst/>
+                <a:latin typeface="urw-din"/>
+              </a:rPr>
+              <a:t>Initialize:</a:t>
+            </a:r>
+            <a:br>
+              <a:rPr lang="en-US" sz="1050" b="0" i="1" dirty="0">
+                <a:solidFill>
+                  <a:srgbClr val="273239"/>
+                </a:solidFill>
+                <a:effectLst/>
+                <a:latin typeface="urw-din"/>
+              </a:rPr>
+            </a:br>
+            <a:r>
+              <a:rPr lang="en-US" sz="1050" b="0" i="1" dirty="0">
+                <a:solidFill>
+                  <a:srgbClr val="273239"/>
+                </a:solidFill>
+                <a:effectLst/>
+                <a:latin typeface="urw-din"/>
+              </a:rPr>
+              <a:t>    max_so_far = INT_MIN</a:t>
+            </a:r>
+            <a:br>
+              <a:rPr lang="en-US" sz="1050" b="0" i="1" dirty="0">
+                <a:solidFill>
+                  <a:srgbClr val="273239"/>
+                </a:solidFill>
+                <a:effectLst/>
+                <a:latin typeface="urw-din"/>
+              </a:rPr>
+            </a:br>
+            <a:r>
+              <a:rPr lang="en-US" sz="1050" b="0" i="1" dirty="0">
+                <a:solidFill>
+                  <a:srgbClr val="273239"/>
+                </a:solidFill>
+                <a:effectLst/>
+                <a:latin typeface="urw-din"/>
+              </a:rPr>
+              <a:t>    max_ending_here = 0</a:t>
+            </a:r>
+          </a:p>
+          <a:p>
+            <a:pPr algn="l" fontAlgn="base"/>
+            <a:r>
+              <a:rPr lang="en-US" sz="1050" b="0" i="1" dirty="0">
+                <a:solidFill>
+                  <a:srgbClr val="273239"/>
+                </a:solidFill>
+                <a:effectLst/>
+                <a:latin typeface="urw-din"/>
+              </a:rPr>
+              <a:t>Loop for each element of the array</a:t>
+            </a:r>
+          </a:p>
+          <a:p>
+            <a:pPr algn="l" fontAlgn="base"/>
+            <a:r>
+              <a:rPr lang="en-US" sz="1050" b="0" i="1" dirty="0">
+                <a:solidFill>
+                  <a:srgbClr val="273239"/>
+                </a:solidFill>
+                <a:effectLst/>
+                <a:latin typeface="urw-din"/>
+              </a:rPr>
+              <a:t>  (a) max_ending_here = max_ending_here + a[i]</a:t>
+            </a:r>
+            <a:br>
+              <a:rPr lang="en-US" sz="1050" b="0" i="1" dirty="0">
+                <a:solidFill>
+                  <a:srgbClr val="273239"/>
+                </a:solidFill>
+                <a:effectLst/>
+                <a:latin typeface="urw-din"/>
+              </a:rPr>
+            </a:br>
+            <a:r>
+              <a:rPr lang="en-US" sz="1050" b="0" i="1" dirty="0">
+                <a:solidFill>
+                  <a:srgbClr val="273239"/>
+                </a:solidFill>
+                <a:effectLst/>
+                <a:latin typeface="urw-din"/>
+              </a:rPr>
+              <a:t>  (b) if(max_so_far &lt; max_ending_here)</a:t>
+            </a:r>
+            <a:br>
+              <a:rPr lang="en-US" sz="1050" b="0" i="1" dirty="0">
+                <a:solidFill>
+                  <a:srgbClr val="273239"/>
+                </a:solidFill>
+                <a:effectLst/>
+                <a:latin typeface="urw-din"/>
+              </a:rPr>
+            </a:br>
+            <a:r>
+              <a:rPr lang="en-US" sz="1050" b="0" i="1" dirty="0">
+                <a:solidFill>
+                  <a:srgbClr val="273239"/>
+                </a:solidFill>
+                <a:effectLst/>
+                <a:latin typeface="urw-din"/>
+              </a:rPr>
+              <a:t>            max_so_far = max_ending_here</a:t>
+            </a:r>
+            <a:br>
+              <a:rPr lang="en-US" sz="1050" b="0" i="1" dirty="0">
+                <a:solidFill>
+                  <a:srgbClr val="273239"/>
+                </a:solidFill>
+                <a:effectLst/>
+                <a:latin typeface="urw-din"/>
+              </a:rPr>
+            </a:br>
+            <a:r>
+              <a:rPr lang="en-US" sz="1050" b="0" i="1" dirty="0">
+                <a:solidFill>
+                  <a:srgbClr val="273239"/>
+                </a:solidFill>
+                <a:effectLst/>
+                <a:latin typeface="urw-din"/>
+              </a:rPr>
+              <a:t>  (c) if(max_ending_here &lt; 0)</a:t>
+            </a:r>
+            <a:br>
+              <a:rPr lang="en-US" sz="1050" b="0" i="1" dirty="0">
+                <a:solidFill>
+                  <a:srgbClr val="273239"/>
+                </a:solidFill>
+                <a:effectLst/>
+                <a:latin typeface="urw-din"/>
+              </a:rPr>
+            </a:br>
+            <a:r>
+              <a:rPr lang="en-US" sz="1050" b="0" i="1" dirty="0">
+                <a:solidFill>
+                  <a:srgbClr val="273239"/>
+                </a:solidFill>
+                <a:effectLst/>
+                <a:latin typeface="urw-din"/>
+              </a:rPr>
+              <a:t>            max_ending_here = 0</a:t>
+            </a:r>
+            <a:br>
+              <a:rPr lang="en-US" sz="1050" b="0" i="1" dirty="0">
+                <a:solidFill>
+                  <a:srgbClr val="273239"/>
+                </a:solidFill>
+                <a:effectLst/>
+                <a:latin typeface="urw-din"/>
+              </a:rPr>
+            </a:br>
+            <a:r>
+              <a:rPr lang="en-US" sz="1050" b="0" i="1" dirty="0">
+                <a:solidFill>
+                  <a:srgbClr val="273239"/>
+                </a:solidFill>
+                <a:effectLst/>
+                <a:latin typeface="urw-din"/>
+              </a:rPr>
+              <a:t>return max_so_far</a:t>
+            </a:r>
+          </a:p>
+        </p:txBody>
+      </p:sp>
+      <p:sp>
+        <p:nvSpPr>
+          <p:cNvPr id="11" name="Rectangle 4">
+            <a:extLst>
+              <a:ext uri="{FF2B5EF4-FFF2-40B4-BE49-F238E27FC236}">
+                <a16:creationId xmlns:a16="http://schemas.microsoft.com/office/drawing/2014/main" id="{E48D6F59-63A7-4E05-8D7F-6276421DA281}"/>
+              </a:ext>
+            </a:extLst>
+          </p:cNvPr>
+          <p:cNvSpPr>
+            <a:spLocks noChangeArrowheads="1"/>
+          </p:cNvSpPr>
+          <p:nvPr/>
+        </p:nvSpPr>
+        <p:spPr bwMode="auto">
+          <a:xfrm>
+            <a:off x="3475567" y="680188"/>
+            <a:ext cx="4569883" cy="4939814"/>
+          </a:xfrm>
+          <a:prstGeom prst="rect">
+            <a:avLst/>
+          </a:prstGeom>
+          <a:noFill/>
+          <a:ln>
+            <a:noFill/>
+          </a:ln>
+          <a:effectLst/>
+          <a:extLst>
+            <a:ext uri="{909E8E84-426E-40DD-AFC4-6F175D3DCCD1}">
+              <a14:hiddenFill xmlns:a14="http://schemas.microsoft.com/office/drawing/2010/main">
+                <a:solidFill>
+                  <a:schemeClr val="accent1"/>
+                </a:solidFill>
+              </a14:hiddenFill>
+            </a:ext>
+            <a:ext uri="{91240B29-F687-4F45-9708-019B960494DF}">
+              <a14:hiddenLine xmlns:a14="http://schemas.microsoft.com/office/drawing/2010/main" w="9525">
+                <a:solidFill>
+                  <a:schemeClr val="tx1"/>
+                </a:solidFill>
+                <a:miter lim="800000"/>
+                <a:headEnd/>
+                <a:tailEnd/>
+              </a14:hiddenLine>
+            </a:ext>
+            <a:ext uri="{AF507438-7753-43E0-B8FC-AC1667EBCBE1}">
+              <a14:hiddenEffects xmlns:a14="http://schemas.microsoft.com/office/drawing/2010/main">
+                <a:effectLst>
+                  <a:outerShdw dist="35921" dir="2700000" algn="ctr" rotWithShape="0">
+                    <a:schemeClr val="bg2"/>
+                  </a:outerShdw>
+                </a:effectLst>
+              </a14:hiddenEffects>
+            </a:ext>
+          </a:extLst>
+        </p:spPr>
+        <p:txBody>
+          <a:bodyPr vert="horz" wrap="square" lIns="0" tIns="0" rIns="0" bIns="0" numCol="1" anchor="ctr" anchorCtr="0" compatLnSpc="1">
+            <a:prstTxWarp prst="textNoShape">
+              <a:avLst/>
+            </a:prstTxWarp>
+            <a:spAutoFit/>
+          </a:bodyPr>
+          <a:lstStyle>
+            <a:lvl1pPr eaLnBrk="0" fontAlgn="base" hangingPunct="0">
+              <a:spcBef>
+                <a:spcPct val="0"/>
+              </a:spcBef>
+              <a:spcAft>
+                <a:spcPct val="0"/>
+              </a:spcAft>
+              <a:defRPr>
+                <a:solidFill>
+                  <a:schemeClr val="tx1"/>
+                </a:solidFill>
+                <a:latin typeface="Arial" panose="020B0604020202020204" pitchFamily="34" charset="0"/>
+              </a:defRPr>
+            </a:lvl1pPr>
+            <a:lvl2pPr eaLnBrk="0" fontAlgn="base" hangingPunct="0">
+              <a:spcBef>
+                <a:spcPct val="0"/>
+              </a:spcBef>
+              <a:spcAft>
+                <a:spcPct val="0"/>
+              </a:spcAft>
+              <a:defRPr>
+                <a:solidFill>
+                  <a:schemeClr val="tx1"/>
+                </a:solidFill>
+                <a:latin typeface="Arial" panose="020B0604020202020204" pitchFamily="34" charset="0"/>
+              </a:defRPr>
+            </a:lvl2pPr>
+            <a:lvl3pPr eaLnBrk="0" fontAlgn="base" hangingPunct="0">
+              <a:spcBef>
+                <a:spcPct val="0"/>
+              </a:spcBef>
+              <a:spcAft>
+                <a:spcPct val="0"/>
+              </a:spcAft>
+              <a:defRPr>
+                <a:solidFill>
+                  <a:schemeClr val="tx1"/>
+                </a:solidFill>
+                <a:latin typeface="Arial" panose="020B0604020202020204" pitchFamily="34" charset="0"/>
+              </a:defRPr>
+            </a:lvl3pPr>
+            <a:lvl4pPr eaLnBrk="0" fontAlgn="base" hangingPunct="0">
+              <a:spcBef>
+                <a:spcPct val="0"/>
+              </a:spcBef>
+              <a:spcAft>
+                <a:spcPct val="0"/>
+              </a:spcAft>
+              <a:defRPr>
+                <a:solidFill>
+                  <a:schemeClr val="tx1"/>
+                </a:solidFill>
+                <a:latin typeface="Arial" panose="020B0604020202020204" pitchFamily="34" charset="0"/>
+              </a:defRPr>
+            </a:lvl4pPr>
+            <a:lvl5pPr eaLnBrk="0" fontAlgn="base" hangingPunct="0">
+              <a:spcBef>
+                <a:spcPct val="0"/>
+              </a:spcBef>
+              <a:spcAft>
+                <a:spcPct val="0"/>
+              </a:spcAft>
+              <a:defRPr>
+                <a:solidFill>
+                  <a:schemeClr val="tx1"/>
+                </a:solidFill>
+                <a:latin typeface="Arial" panose="020B0604020202020204" pitchFamily="34" charset="0"/>
+              </a:defRPr>
+            </a:lvl5pPr>
+            <a:lvl6pPr eaLnBrk="0" fontAlgn="base" hangingPunct="0">
+              <a:spcBef>
+                <a:spcPct val="0"/>
+              </a:spcBef>
+              <a:spcAft>
+                <a:spcPct val="0"/>
+              </a:spcAft>
+              <a:defRPr>
+                <a:solidFill>
+                  <a:schemeClr val="tx1"/>
+                </a:solidFill>
+                <a:latin typeface="Arial" panose="020B0604020202020204" pitchFamily="34" charset="0"/>
+              </a:defRPr>
+            </a:lvl6pPr>
+            <a:lvl7pPr eaLnBrk="0" fontAlgn="base" hangingPunct="0">
+              <a:spcBef>
+                <a:spcPct val="0"/>
+              </a:spcBef>
+              <a:spcAft>
+                <a:spcPct val="0"/>
+              </a:spcAft>
+              <a:defRPr>
+                <a:solidFill>
+                  <a:schemeClr val="tx1"/>
+                </a:solidFill>
+                <a:latin typeface="Arial" panose="020B0604020202020204" pitchFamily="34" charset="0"/>
+              </a:defRPr>
+            </a:lvl7pPr>
+            <a:lvl8pPr eaLnBrk="0" fontAlgn="base" hangingPunct="0">
+              <a:spcBef>
+                <a:spcPct val="0"/>
+              </a:spcBef>
+              <a:spcAft>
+                <a:spcPct val="0"/>
+              </a:spcAft>
+              <a:defRPr>
+                <a:solidFill>
+                  <a:schemeClr val="tx1"/>
+                </a:solidFill>
+                <a:latin typeface="Arial" panose="020B0604020202020204" pitchFamily="34" charset="0"/>
+              </a:defRPr>
+            </a:lvl8pPr>
+            <a:lvl9pPr eaLnBrk="0" fontAlgn="base" hangingPunct="0">
+              <a:spcBef>
+                <a:spcPct val="0"/>
+              </a:spcBef>
+              <a:spcAft>
+                <a:spcPct val="0"/>
+              </a:spcAft>
+              <a:defRPr>
+                <a:solidFill>
+                  <a:schemeClr val="tx1"/>
+                </a:solidFill>
+                <a:latin typeface="Arial" panose="020B0604020202020204" pitchFamily="34" charset="0"/>
+              </a:defRPr>
+            </a:lvl9pPr>
+          </a:lstStyle>
+          <a:p>
+            <a:pPr marL="0" marR="0" lvl="0" indent="0" algn="l" defTabSz="914400" rtl="0" eaLnBrk="0" fontAlgn="base" latinLnBrk="0" hangingPunct="0">
+              <a:lnSpc>
+                <a:spcPct val="100000"/>
+              </a:lnSpc>
+              <a:spcBef>
+                <a:spcPct val="0"/>
+              </a:spcBef>
+              <a:spcAft>
+                <a:spcPct val="0"/>
+              </a:spcAft>
+              <a:buClrTx/>
+              <a:buSzTx/>
+              <a:buFontTx/>
+              <a:buNone/>
+              <a:tabLst/>
+            </a:pPr>
+            <a:r>
+              <a:rPr kumimoji="0" lang="en-US" altLang="en-US" sz="900" b="1" i="0" u="none" strike="noStrike" cap="none" normalizeH="0" baseline="0" dirty="0">
+                <a:ln>
+                  <a:noFill/>
+                </a:ln>
+                <a:solidFill>
+                  <a:srgbClr val="006699"/>
+                </a:solidFill>
+                <a:effectLst/>
+                <a:latin typeface="Consolas" panose="020B0609020204030204" pitchFamily="49" charset="0"/>
+              </a:rPr>
+              <a:t>class</a:t>
+            </a:r>
+            <a:r>
+              <a:rPr kumimoji="0" lang="en-US" altLang="en-US" sz="100" b="0" i="0" u="none" strike="noStrike" cap="none" normalizeH="0" baseline="0" dirty="0">
+                <a:ln>
+                  <a:noFill/>
+                </a:ln>
+                <a:solidFill>
+                  <a:srgbClr val="273239"/>
+                </a:solidFill>
+                <a:effectLst/>
+                <a:latin typeface="Consolas" panose="020B0609020204030204" pitchFamily="49" charset="0"/>
+              </a:rPr>
+              <a:t>  </a:t>
+            </a:r>
+            <a:r>
+              <a:rPr lang="en-US" altLang="en-US" sz="900" dirty="0">
+                <a:solidFill>
+                  <a:srgbClr val="000000"/>
+                </a:solidFill>
+                <a:latin typeface="Consolas" panose="020B0609020204030204" pitchFamily="49" charset="0"/>
+              </a:rPr>
+              <a:t>SubArrayProblem</a:t>
+            </a:r>
+            <a:r>
+              <a:rPr kumimoji="0" lang="en-US" altLang="en-US" sz="900" b="0" i="0" u="none" strike="noStrike" cap="none" normalizeH="0" baseline="0" dirty="0">
+                <a:ln>
+                  <a:noFill/>
+                </a:ln>
+                <a:solidFill>
+                  <a:srgbClr val="000000"/>
+                </a:solidFill>
+                <a:effectLst/>
+                <a:latin typeface="Consolas" panose="020B0609020204030204" pitchFamily="49" charset="0"/>
+              </a:rPr>
+              <a:t> {</a:t>
+            </a:r>
+            <a:endParaRPr kumimoji="0" lang="en-US" altLang="en-US" sz="100" b="0" i="0" u="none" strike="noStrike" cap="none" normalizeH="0" baseline="0" dirty="0">
+              <a:ln>
+                <a:noFill/>
+              </a:ln>
+              <a:solidFill>
+                <a:schemeClr val="tx1"/>
+              </a:solidFill>
+              <a:effectLst/>
+            </a:endParaRPr>
+          </a:p>
+          <a:p>
+            <a:pPr marL="0" marR="0" lvl="0" indent="0" algn="l" defTabSz="914400" rtl="0" eaLnBrk="0" fontAlgn="base" latinLnBrk="0" hangingPunct="0">
+              <a:lnSpc>
+                <a:spcPct val="100000"/>
+              </a:lnSpc>
+              <a:spcBef>
+                <a:spcPct val="0"/>
+              </a:spcBef>
+              <a:spcAft>
+                <a:spcPct val="0"/>
+              </a:spcAft>
+              <a:buClrTx/>
+              <a:buSzTx/>
+              <a:buFontTx/>
+              <a:buNone/>
+              <a:tabLst/>
+            </a:pPr>
+            <a:r>
+              <a:rPr kumimoji="0" lang="en-US" altLang="en-US" sz="1200" b="0" i="0" u="none" strike="noStrike" cap="none" normalizeH="0" baseline="0" dirty="0">
+                <a:ln>
+                  <a:noFill/>
+                </a:ln>
+                <a:solidFill>
+                  <a:srgbClr val="273239"/>
+                </a:solidFill>
+                <a:effectLst/>
+                <a:latin typeface="Consolas" panose="020B0609020204030204" pitchFamily="49" charset="0"/>
+              </a:rPr>
+              <a:t> </a:t>
+            </a:r>
+            <a:endParaRPr kumimoji="0" lang="en-US" altLang="en-US" sz="1200" b="0" i="0" u="none" strike="noStrike" cap="none" normalizeH="0" baseline="0" dirty="0">
+              <a:ln>
+                <a:noFill/>
+              </a:ln>
+              <a:solidFill>
+                <a:schemeClr val="tx1"/>
+              </a:solidFill>
+              <a:effectLst/>
+            </a:endParaRPr>
+          </a:p>
+          <a:p>
+            <a:pPr marL="0" marR="0" lvl="0" indent="0" algn="l" defTabSz="914400" rtl="0" eaLnBrk="0" fontAlgn="base" latinLnBrk="0" hangingPunct="0">
+              <a:lnSpc>
+                <a:spcPct val="100000"/>
+              </a:lnSpc>
+              <a:spcBef>
+                <a:spcPct val="0"/>
+              </a:spcBef>
+              <a:spcAft>
+                <a:spcPct val="0"/>
+              </a:spcAft>
+              <a:buClrTx/>
+              <a:buSzTx/>
+              <a:buFontTx/>
+              <a:buNone/>
+              <a:tabLst/>
+            </a:pPr>
+            <a:r>
+              <a:rPr kumimoji="0" lang="en-US" altLang="en-US" sz="900" b="0" i="0" u="none" strike="noStrike" cap="none" normalizeH="0" baseline="0" dirty="0">
+                <a:ln>
+                  <a:noFill/>
+                </a:ln>
+                <a:solidFill>
+                  <a:srgbClr val="273239"/>
+                </a:solidFill>
+                <a:effectLst/>
+                <a:latin typeface="Consolas" panose="020B0609020204030204" pitchFamily="49" charset="0"/>
+              </a:rPr>
+              <a:t>    </a:t>
+            </a:r>
+            <a:r>
+              <a:rPr kumimoji="0" lang="en-US" altLang="en-US" sz="900" b="1" i="0" u="none" strike="noStrike" cap="none" normalizeH="0" baseline="0" dirty="0">
+                <a:ln>
+                  <a:noFill/>
+                </a:ln>
+                <a:solidFill>
+                  <a:srgbClr val="006699"/>
+                </a:solidFill>
+                <a:effectLst/>
+                <a:latin typeface="Consolas" panose="020B0609020204030204" pitchFamily="49" charset="0"/>
+              </a:rPr>
+              <a:t>static</a:t>
+            </a:r>
+            <a:r>
+              <a:rPr kumimoji="0" lang="en-US" altLang="en-US" sz="100" b="0" i="0" u="none" strike="noStrike" cap="none" normalizeH="0" baseline="0" dirty="0">
+                <a:ln>
+                  <a:noFill/>
+                </a:ln>
+                <a:solidFill>
+                  <a:srgbClr val="273239"/>
+                </a:solidFill>
+                <a:effectLst/>
+                <a:latin typeface="Consolas" panose="020B0609020204030204" pitchFamily="49" charset="0"/>
+              </a:rPr>
+              <a:t> </a:t>
+            </a:r>
+            <a:r>
+              <a:rPr kumimoji="0" lang="en-US" altLang="en-US" sz="900" b="1" i="0" u="none" strike="noStrike" cap="none" normalizeH="0" baseline="0" dirty="0">
+                <a:ln>
+                  <a:noFill/>
+                </a:ln>
+                <a:solidFill>
+                  <a:srgbClr val="006699"/>
+                </a:solidFill>
+                <a:effectLst/>
+                <a:latin typeface="Consolas" panose="020B0609020204030204" pitchFamily="49" charset="0"/>
+              </a:rPr>
+              <a:t>void</a:t>
+            </a:r>
+            <a:r>
+              <a:rPr kumimoji="0" lang="en-US" altLang="en-US" sz="100" b="0" i="0" u="none" strike="noStrike" cap="none" normalizeH="0" baseline="0" dirty="0">
+                <a:ln>
+                  <a:noFill/>
+                </a:ln>
+                <a:solidFill>
+                  <a:srgbClr val="273239"/>
+                </a:solidFill>
+                <a:effectLst/>
+                <a:latin typeface="Consolas" panose="020B0609020204030204" pitchFamily="49" charset="0"/>
+              </a:rPr>
+              <a:t> </a:t>
+            </a:r>
+            <a:r>
+              <a:rPr kumimoji="0" lang="en-US" altLang="en-US" sz="900" b="0" i="0" u="none" strike="noStrike" cap="none" normalizeH="0" baseline="0" dirty="0">
+                <a:ln>
+                  <a:noFill/>
+                </a:ln>
+                <a:solidFill>
+                  <a:srgbClr val="000000"/>
+                </a:solidFill>
+                <a:effectLst/>
+                <a:latin typeface="Consolas" panose="020B0609020204030204" pitchFamily="49" charset="0"/>
+              </a:rPr>
+              <a:t>maxSubArraySum(</a:t>
+            </a:r>
+            <a:r>
+              <a:rPr kumimoji="0" lang="en-US" altLang="en-US" sz="900" b="1" i="0" u="none" strike="noStrike" cap="none" normalizeH="0" baseline="0" dirty="0">
+                <a:ln>
+                  <a:noFill/>
+                </a:ln>
+                <a:solidFill>
+                  <a:srgbClr val="006699"/>
+                </a:solidFill>
+                <a:effectLst/>
+                <a:latin typeface="Consolas" panose="020B0609020204030204" pitchFamily="49" charset="0"/>
+              </a:rPr>
+              <a:t>int</a:t>
+            </a:r>
+            <a:r>
+              <a:rPr kumimoji="0" lang="en-US" altLang="en-US" sz="100" b="0" i="0" u="none" strike="noStrike" cap="none" normalizeH="0" baseline="0" dirty="0">
+                <a:ln>
+                  <a:noFill/>
+                </a:ln>
+                <a:solidFill>
+                  <a:srgbClr val="273239"/>
+                </a:solidFill>
+                <a:effectLst/>
+                <a:latin typeface="Consolas" panose="020B0609020204030204" pitchFamily="49" charset="0"/>
+              </a:rPr>
+              <a:t> </a:t>
+            </a:r>
+            <a:r>
+              <a:rPr kumimoji="0" lang="en-US" altLang="en-US" sz="900" b="0" i="0" u="none" strike="noStrike" cap="none" normalizeH="0" baseline="0" dirty="0">
+                <a:ln>
+                  <a:noFill/>
+                </a:ln>
+                <a:solidFill>
+                  <a:srgbClr val="000000"/>
+                </a:solidFill>
+                <a:effectLst/>
+                <a:latin typeface="Consolas" panose="020B0609020204030204" pitchFamily="49" charset="0"/>
+              </a:rPr>
+              <a:t>a[], </a:t>
+            </a:r>
+            <a:r>
+              <a:rPr kumimoji="0" lang="en-US" altLang="en-US" sz="900" b="1" i="0" u="none" strike="noStrike" cap="none" normalizeH="0" baseline="0" dirty="0">
+                <a:ln>
+                  <a:noFill/>
+                </a:ln>
+                <a:solidFill>
+                  <a:srgbClr val="006699"/>
+                </a:solidFill>
+                <a:effectLst/>
+                <a:latin typeface="Consolas" panose="020B0609020204030204" pitchFamily="49" charset="0"/>
+              </a:rPr>
+              <a:t>int</a:t>
+            </a:r>
+            <a:r>
+              <a:rPr kumimoji="0" lang="en-US" altLang="en-US" sz="100" b="0" i="0" u="none" strike="noStrike" cap="none" normalizeH="0" baseline="0" dirty="0">
+                <a:ln>
+                  <a:noFill/>
+                </a:ln>
+                <a:solidFill>
+                  <a:srgbClr val="273239"/>
+                </a:solidFill>
+                <a:effectLst/>
+                <a:latin typeface="Consolas" panose="020B0609020204030204" pitchFamily="49" charset="0"/>
+              </a:rPr>
+              <a:t> </a:t>
+            </a:r>
+            <a:r>
+              <a:rPr kumimoji="0" lang="en-US" altLang="en-US" sz="900" b="0" i="0" u="none" strike="noStrike" cap="none" normalizeH="0" baseline="0" dirty="0">
+                <a:ln>
+                  <a:noFill/>
+                </a:ln>
+                <a:solidFill>
+                  <a:srgbClr val="000000"/>
+                </a:solidFill>
+                <a:effectLst/>
+                <a:latin typeface="Consolas" panose="020B0609020204030204" pitchFamily="49" charset="0"/>
+              </a:rPr>
+              <a:t>size)</a:t>
+            </a:r>
+            <a:endParaRPr kumimoji="0" lang="en-US" altLang="en-US" sz="100" b="0" i="0" u="none" strike="noStrike" cap="none" normalizeH="0" baseline="0" dirty="0">
+              <a:ln>
+                <a:noFill/>
+              </a:ln>
+              <a:solidFill>
+                <a:schemeClr val="tx1"/>
+              </a:solidFill>
+              <a:effectLst/>
+            </a:endParaRPr>
+          </a:p>
+          <a:p>
+            <a:pPr marL="0" marR="0" lvl="0" indent="0" algn="l" defTabSz="914400" rtl="0" eaLnBrk="0" fontAlgn="base" latinLnBrk="0" hangingPunct="0">
+              <a:lnSpc>
+                <a:spcPct val="100000"/>
+              </a:lnSpc>
+              <a:spcBef>
+                <a:spcPct val="0"/>
+              </a:spcBef>
+              <a:spcAft>
+                <a:spcPct val="0"/>
+              </a:spcAft>
+              <a:buClrTx/>
+              <a:buSzTx/>
+              <a:buFontTx/>
+              <a:buNone/>
+              <a:tabLst/>
+            </a:pPr>
+            <a:r>
+              <a:rPr kumimoji="0" lang="en-US" altLang="en-US" sz="900" b="0" i="0" u="none" strike="noStrike" cap="none" normalizeH="0" baseline="0" dirty="0">
+                <a:ln>
+                  <a:noFill/>
+                </a:ln>
+                <a:solidFill>
+                  <a:srgbClr val="273239"/>
+                </a:solidFill>
+                <a:effectLst/>
+                <a:latin typeface="Consolas" panose="020B0609020204030204" pitchFamily="49" charset="0"/>
+              </a:rPr>
+              <a:t>    </a:t>
+            </a:r>
+            <a:r>
+              <a:rPr kumimoji="0" lang="en-US" altLang="en-US" sz="900" b="0" i="0" u="none" strike="noStrike" cap="none" normalizeH="0" baseline="0" dirty="0">
+                <a:ln>
+                  <a:noFill/>
+                </a:ln>
+                <a:solidFill>
+                  <a:srgbClr val="000000"/>
+                </a:solidFill>
+                <a:effectLst/>
+                <a:latin typeface="Consolas" panose="020B0609020204030204" pitchFamily="49" charset="0"/>
+              </a:rPr>
+              <a:t>{</a:t>
+            </a:r>
+            <a:endParaRPr kumimoji="0" lang="en-US" altLang="en-US" sz="100" b="0" i="0" u="none" strike="noStrike" cap="none" normalizeH="0" baseline="0" dirty="0">
+              <a:ln>
+                <a:noFill/>
+              </a:ln>
+              <a:solidFill>
+                <a:schemeClr val="tx1"/>
+              </a:solidFill>
+              <a:effectLst/>
+            </a:endParaRPr>
+          </a:p>
+          <a:p>
+            <a:pPr marL="0" marR="0" lvl="0" indent="0" algn="l" defTabSz="914400" rtl="0" eaLnBrk="0" fontAlgn="base" latinLnBrk="0" hangingPunct="0">
+              <a:lnSpc>
+                <a:spcPct val="100000"/>
+              </a:lnSpc>
+              <a:spcBef>
+                <a:spcPct val="0"/>
+              </a:spcBef>
+              <a:spcAft>
+                <a:spcPct val="0"/>
+              </a:spcAft>
+              <a:buClrTx/>
+              <a:buSzTx/>
+              <a:buFontTx/>
+              <a:buNone/>
+              <a:tabLst/>
+            </a:pPr>
+            <a:r>
+              <a:rPr kumimoji="0" lang="en-US" altLang="en-US" sz="900" b="0" i="0" u="none" strike="noStrike" cap="none" normalizeH="0" baseline="0" dirty="0">
+                <a:ln>
+                  <a:noFill/>
+                </a:ln>
+                <a:solidFill>
+                  <a:srgbClr val="273239"/>
+                </a:solidFill>
+                <a:effectLst/>
+                <a:latin typeface="Consolas" panose="020B0609020204030204" pitchFamily="49" charset="0"/>
+              </a:rPr>
+              <a:t>        </a:t>
+            </a:r>
+            <a:r>
+              <a:rPr kumimoji="0" lang="en-US" altLang="en-US" sz="900" b="1" i="0" u="none" strike="noStrike" cap="none" normalizeH="0" baseline="0" dirty="0">
+                <a:ln>
+                  <a:noFill/>
+                </a:ln>
+                <a:solidFill>
+                  <a:srgbClr val="006699"/>
+                </a:solidFill>
+                <a:effectLst/>
+                <a:latin typeface="Consolas" panose="020B0609020204030204" pitchFamily="49" charset="0"/>
+              </a:rPr>
+              <a:t>int </a:t>
+            </a:r>
+            <a:r>
+              <a:rPr kumimoji="0" lang="en-US" altLang="en-US" sz="100" b="0" i="0" u="none" strike="noStrike" cap="none" normalizeH="0" baseline="0" dirty="0">
+                <a:ln>
+                  <a:noFill/>
+                </a:ln>
+                <a:solidFill>
+                  <a:srgbClr val="273239"/>
+                </a:solidFill>
+                <a:effectLst/>
+                <a:latin typeface="Consolas" panose="020B0609020204030204" pitchFamily="49" charset="0"/>
+              </a:rPr>
+              <a:t> </a:t>
+            </a:r>
+            <a:r>
+              <a:rPr kumimoji="0" lang="en-US" altLang="en-US" sz="900" b="0" i="0" u="none" strike="noStrike" cap="none" normalizeH="0" baseline="0" dirty="0">
+                <a:ln>
+                  <a:noFill/>
+                </a:ln>
+                <a:solidFill>
+                  <a:srgbClr val="000000"/>
+                </a:solidFill>
+                <a:effectLst/>
+                <a:latin typeface="Consolas" panose="020B0609020204030204" pitchFamily="49" charset="0"/>
+              </a:rPr>
+              <a:t>max_so_far = Integer.MIN_VALUE,</a:t>
+            </a:r>
+            <a:endParaRPr kumimoji="0" lang="en-US" altLang="en-US" sz="100" b="0" i="0" u="none" strike="noStrike" cap="none" normalizeH="0" baseline="0" dirty="0">
+              <a:ln>
+                <a:noFill/>
+              </a:ln>
+              <a:solidFill>
+                <a:schemeClr val="tx1"/>
+              </a:solidFill>
+              <a:effectLst/>
+            </a:endParaRPr>
+          </a:p>
+          <a:p>
+            <a:pPr marL="0" marR="0" lvl="0" indent="0" algn="l" defTabSz="914400" rtl="0" eaLnBrk="0" fontAlgn="base" latinLnBrk="0" hangingPunct="0">
+              <a:lnSpc>
+                <a:spcPct val="100000"/>
+              </a:lnSpc>
+              <a:spcBef>
+                <a:spcPct val="0"/>
+              </a:spcBef>
+              <a:spcAft>
+                <a:spcPct val="0"/>
+              </a:spcAft>
+              <a:buClrTx/>
+              <a:buSzTx/>
+              <a:buFontTx/>
+              <a:buNone/>
+              <a:tabLst/>
+            </a:pPr>
+            <a:r>
+              <a:rPr kumimoji="0" lang="en-US" altLang="en-US" sz="900" b="0" i="0" u="none" strike="noStrike" cap="none" normalizeH="0" baseline="0" dirty="0">
+                <a:ln>
+                  <a:noFill/>
+                </a:ln>
+                <a:solidFill>
+                  <a:srgbClr val="273239"/>
+                </a:solidFill>
+                <a:effectLst/>
+                <a:latin typeface="Consolas" panose="020B0609020204030204" pitchFamily="49" charset="0"/>
+              </a:rPr>
+              <a:t>            </a:t>
+            </a:r>
+            <a:r>
+              <a:rPr kumimoji="0" lang="en-US" altLang="en-US" sz="900" b="0" i="0" u="none" strike="noStrike" cap="none" normalizeH="0" baseline="0" dirty="0">
+                <a:ln>
+                  <a:noFill/>
+                </a:ln>
+                <a:solidFill>
+                  <a:srgbClr val="000000"/>
+                </a:solidFill>
+                <a:effectLst/>
+                <a:latin typeface="Consolas" panose="020B0609020204030204" pitchFamily="49" charset="0"/>
+              </a:rPr>
+              <a:t>max_ending_here = </a:t>
+            </a:r>
+            <a:r>
+              <a:rPr kumimoji="0" lang="en-US" altLang="en-US" sz="900" b="0" i="0" u="none" strike="noStrike" cap="none" normalizeH="0" baseline="0" dirty="0">
+                <a:ln>
+                  <a:noFill/>
+                </a:ln>
+                <a:solidFill>
+                  <a:srgbClr val="009900"/>
+                </a:solidFill>
+                <a:effectLst/>
+                <a:latin typeface="Consolas" panose="020B0609020204030204" pitchFamily="49" charset="0"/>
+              </a:rPr>
+              <a:t>0</a:t>
+            </a:r>
+            <a:r>
+              <a:rPr kumimoji="0" lang="en-US" altLang="en-US" sz="900" b="0" i="0" u="none" strike="noStrike" cap="none" normalizeH="0" baseline="0" dirty="0">
+                <a:ln>
+                  <a:noFill/>
+                </a:ln>
+                <a:solidFill>
+                  <a:srgbClr val="000000"/>
+                </a:solidFill>
+                <a:effectLst/>
+                <a:latin typeface="Consolas" panose="020B0609020204030204" pitchFamily="49" charset="0"/>
+              </a:rPr>
+              <a:t>, start = </a:t>
+            </a:r>
+            <a:r>
+              <a:rPr kumimoji="0" lang="en-US" altLang="en-US" sz="900" b="0" i="0" u="none" strike="noStrike" cap="none" normalizeH="0" baseline="0" dirty="0">
+                <a:ln>
+                  <a:noFill/>
+                </a:ln>
+                <a:solidFill>
+                  <a:srgbClr val="009900"/>
+                </a:solidFill>
+                <a:effectLst/>
+                <a:latin typeface="Consolas" panose="020B0609020204030204" pitchFamily="49" charset="0"/>
+              </a:rPr>
+              <a:t>0</a:t>
+            </a:r>
+            <a:r>
+              <a:rPr kumimoji="0" lang="en-US" altLang="en-US" sz="900" b="0" i="0" u="none" strike="noStrike" cap="none" normalizeH="0" baseline="0" dirty="0">
+                <a:ln>
+                  <a:noFill/>
+                </a:ln>
+                <a:solidFill>
+                  <a:srgbClr val="000000"/>
+                </a:solidFill>
+                <a:effectLst/>
+                <a:latin typeface="Consolas" panose="020B0609020204030204" pitchFamily="49" charset="0"/>
+              </a:rPr>
+              <a:t>, end = </a:t>
+            </a:r>
+            <a:r>
+              <a:rPr kumimoji="0" lang="en-US" altLang="en-US" sz="900" b="0" i="0" u="none" strike="noStrike" cap="none" normalizeH="0" baseline="0" dirty="0">
+                <a:ln>
+                  <a:noFill/>
+                </a:ln>
+                <a:solidFill>
+                  <a:srgbClr val="009900"/>
+                </a:solidFill>
+                <a:effectLst/>
+                <a:latin typeface="Consolas" panose="020B0609020204030204" pitchFamily="49" charset="0"/>
+              </a:rPr>
+              <a:t>0</a:t>
+            </a:r>
+            <a:r>
+              <a:rPr kumimoji="0" lang="en-US" altLang="en-US" sz="900" b="0" i="0" u="none" strike="noStrike" cap="none" normalizeH="0" baseline="0" dirty="0">
+                <a:ln>
+                  <a:noFill/>
+                </a:ln>
+                <a:solidFill>
+                  <a:srgbClr val="000000"/>
+                </a:solidFill>
+                <a:effectLst/>
+                <a:latin typeface="Consolas" panose="020B0609020204030204" pitchFamily="49" charset="0"/>
+              </a:rPr>
+              <a:t>, s = </a:t>
+            </a:r>
+            <a:r>
+              <a:rPr kumimoji="0" lang="en-US" altLang="en-US" sz="900" b="0" i="0" u="none" strike="noStrike" cap="none" normalizeH="0" baseline="0" dirty="0">
+                <a:ln>
+                  <a:noFill/>
+                </a:ln>
+                <a:solidFill>
+                  <a:srgbClr val="009900"/>
+                </a:solidFill>
+                <a:effectLst/>
+                <a:latin typeface="Consolas" panose="020B0609020204030204" pitchFamily="49" charset="0"/>
+              </a:rPr>
+              <a:t>0</a:t>
+            </a:r>
+            <a:r>
+              <a:rPr kumimoji="0" lang="en-US" altLang="en-US" sz="900" b="0" i="0" u="none" strike="noStrike" cap="none" normalizeH="0" baseline="0" dirty="0">
+                <a:ln>
+                  <a:noFill/>
+                </a:ln>
+                <a:solidFill>
+                  <a:srgbClr val="000000"/>
+                </a:solidFill>
+                <a:effectLst/>
+                <a:latin typeface="Consolas" panose="020B0609020204030204" pitchFamily="49" charset="0"/>
+              </a:rPr>
+              <a:t>;</a:t>
+            </a:r>
+            <a:endParaRPr kumimoji="0" lang="en-US" altLang="en-US" sz="100" b="0" i="0" u="none" strike="noStrike" cap="none" normalizeH="0" baseline="0" dirty="0">
+              <a:ln>
+                <a:noFill/>
+              </a:ln>
+              <a:solidFill>
+                <a:schemeClr val="tx1"/>
+              </a:solidFill>
+              <a:effectLst/>
+            </a:endParaRPr>
+          </a:p>
+          <a:p>
+            <a:pPr marL="0" marR="0" lvl="0" indent="0" algn="l" defTabSz="914400" rtl="0" eaLnBrk="0" fontAlgn="base" latinLnBrk="0" hangingPunct="0">
+              <a:lnSpc>
+                <a:spcPct val="100000"/>
+              </a:lnSpc>
+              <a:spcBef>
+                <a:spcPct val="0"/>
+              </a:spcBef>
+              <a:spcAft>
+                <a:spcPct val="0"/>
+              </a:spcAft>
+              <a:buClrTx/>
+              <a:buSzTx/>
+              <a:buFontTx/>
+              <a:buNone/>
+              <a:tabLst/>
+            </a:pPr>
+            <a:r>
+              <a:rPr kumimoji="0" lang="en-US" altLang="en-US" sz="1200" b="0" i="0" u="none" strike="noStrike" cap="none" normalizeH="0" baseline="0" dirty="0">
+                <a:ln>
+                  <a:noFill/>
+                </a:ln>
+                <a:solidFill>
+                  <a:srgbClr val="273239"/>
+                </a:solidFill>
+                <a:effectLst/>
+                <a:latin typeface="Consolas" panose="020B0609020204030204" pitchFamily="49" charset="0"/>
+              </a:rPr>
+              <a:t> </a:t>
+            </a:r>
+            <a:endParaRPr kumimoji="0" lang="en-US" altLang="en-US" sz="1200" b="0" i="0" u="none" strike="noStrike" cap="none" normalizeH="0" baseline="0" dirty="0">
+              <a:ln>
+                <a:noFill/>
+              </a:ln>
+              <a:solidFill>
+                <a:schemeClr val="tx1"/>
+              </a:solidFill>
+              <a:effectLst/>
+            </a:endParaRPr>
+          </a:p>
+          <a:p>
+            <a:pPr marL="0" marR="0" lvl="0" indent="0" algn="l" defTabSz="914400" rtl="0" eaLnBrk="0" fontAlgn="base" latinLnBrk="0" hangingPunct="0">
+              <a:lnSpc>
+                <a:spcPct val="100000"/>
+              </a:lnSpc>
+              <a:spcBef>
+                <a:spcPct val="0"/>
+              </a:spcBef>
+              <a:spcAft>
+                <a:spcPct val="0"/>
+              </a:spcAft>
+              <a:buClrTx/>
+              <a:buSzTx/>
+              <a:buFontTx/>
+              <a:buNone/>
+              <a:tabLst/>
+            </a:pPr>
+            <a:r>
+              <a:rPr kumimoji="0" lang="en-US" altLang="en-US" sz="900" b="0" i="0" u="none" strike="noStrike" cap="none" normalizeH="0" baseline="0" dirty="0">
+                <a:ln>
+                  <a:noFill/>
+                </a:ln>
+                <a:solidFill>
+                  <a:srgbClr val="273239"/>
+                </a:solidFill>
+                <a:effectLst/>
+                <a:latin typeface="Consolas" panose="020B0609020204030204" pitchFamily="49" charset="0"/>
+              </a:rPr>
+              <a:t>        </a:t>
+            </a:r>
+            <a:r>
+              <a:rPr kumimoji="0" lang="en-US" altLang="en-US" sz="900" b="1" i="0" u="none" strike="noStrike" cap="none" normalizeH="0" baseline="0" dirty="0">
+                <a:ln>
+                  <a:noFill/>
+                </a:ln>
+                <a:solidFill>
+                  <a:srgbClr val="006699"/>
+                </a:solidFill>
+                <a:effectLst/>
+                <a:latin typeface="Consolas" panose="020B0609020204030204" pitchFamily="49" charset="0"/>
+              </a:rPr>
+              <a:t>for</a:t>
+            </a:r>
+            <a:r>
+              <a:rPr kumimoji="0" lang="en-US" altLang="en-US" sz="100" b="0" i="0" u="none" strike="noStrike" cap="none" normalizeH="0" baseline="0" dirty="0">
+                <a:ln>
+                  <a:noFill/>
+                </a:ln>
+                <a:solidFill>
+                  <a:srgbClr val="273239"/>
+                </a:solidFill>
+                <a:effectLst/>
+                <a:latin typeface="Consolas" panose="020B0609020204030204" pitchFamily="49" charset="0"/>
+              </a:rPr>
+              <a:t> </a:t>
+            </a:r>
+            <a:r>
+              <a:rPr kumimoji="0" lang="en-US" altLang="en-US" sz="900" b="0" i="0" u="none" strike="noStrike" cap="none" normalizeH="0" baseline="0" dirty="0">
+                <a:ln>
+                  <a:noFill/>
+                </a:ln>
+                <a:solidFill>
+                  <a:srgbClr val="000000"/>
+                </a:solidFill>
+                <a:effectLst/>
+                <a:latin typeface="Consolas" panose="020B0609020204030204" pitchFamily="49" charset="0"/>
+              </a:rPr>
+              <a:t>(</a:t>
+            </a:r>
+            <a:r>
+              <a:rPr kumimoji="0" lang="en-US" altLang="en-US" sz="900" b="1" i="0" u="none" strike="noStrike" cap="none" normalizeH="0" baseline="0" dirty="0">
+                <a:ln>
+                  <a:noFill/>
+                </a:ln>
+                <a:solidFill>
+                  <a:srgbClr val="006699"/>
+                </a:solidFill>
+                <a:effectLst/>
+                <a:latin typeface="Consolas" panose="020B0609020204030204" pitchFamily="49" charset="0"/>
+              </a:rPr>
+              <a:t>int</a:t>
+            </a:r>
+            <a:r>
+              <a:rPr kumimoji="0" lang="en-US" altLang="en-US" sz="100" b="0" i="0" u="none" strike="noStrike" cap="none" normalizeH="0" baseline="0" dirty="0">
+                <a:ln>
+                  <a:noFill/>
+                </a:ln>
+                <a:solidFill>
+                  <a:srgbClr val="273239"/>
+                </a:solidFill>
+                <a:effectLst/>
+                <a:latin typeface="Consolas" panose="020B0609020204030204" pitchFamily="49" charset="0"/>
+              </a:rPr>
+              <a:t> </a:t>
+            </a:r>
+            <a:r>
+              <a:rPr kumimoji="0" lang="en-US" altLang="en-US" sz="900" b="0" i="0" u="none" strike="noStrike" cap="none" normalizeH="0" baseline="0" dirty="0">
+                <a:ln>
+                  <a:noFill/>
+                </a:ln>
+                <a:solidFill>
+                  <a:srgbClr val="000000"/>
+                </a:solidFill>
+                <a:effectLst/>
+                <a:latin typeface="Consolas" panose="020B0609020204030204" pitchFamily="49" charset="0"/>
+              </a:rPr>
+              <a:t>i = </a:t>
+            </a:r>
+            <a:r>
+              <a:rPr kumimoji="0" lang="en-US" altLang="en-US" sz="900" b="0" i="0" u="none" strike="noStrike" cap="none" normalizeH="0" baseline="0" dirty="0">
+                <a:ln>
+                  <a:noFill/>
+                </a:ln>
+                <a:solidFill>
+                  <a:srgbClr val="009900"/>
+                </a:solidFill>
+                <a:effectLst/>
+                <a:latin typeface="Consolas" panose="020B0609020204030204" pitchFamily="49" charset="0"/>
+              </a:rPr>
+              <a:t>0</a:t>
+            </a:r>
+            <a:r>
+              <a:rPr kumimoji="0" lang="en-US" altLang="en-US" sz="900" b="0" i="0" u="none" strike="noStrike" cap="none" normalizeH="0" baseline="0" dirty="0">
+                <a:ln>
+                  <a:noFill/>
+                </a:ln>
+                <a:solidFill>
+                  <a:srgbClr val="000000"/>
+                </a:solidFill>
+                <a:effectLst/>
+                <a:latin typeface="Consolas" panose="020B0609020204030204" pitchFamily="49" charset="0"/>
+              </a:rPr>
+              <a:t>; i &lt; size; i++) {</a:t>
+            </a:r>
+            <a:endParaRPr kumimoji="0" lang="en-US" altLang="en-US" sz="100" b="0" i="0" u="none" strike="noStrike" cap="none" normalizeH="0" baseline="0" dirty="0">
+              <a:ln>
+                <a:noFill/>
+              </a:ln>
+              <a:solidFill>
+                <a:schemeClr val="tx1"/>
+              </a:solidFill>
+              <a:effectLst/>
+            </a:endParaRPr>
+          </a:p>
+          <a:p>
+            <a:pPr marL="0" marR="0" lvl="0" indent="0" algn="l" defTabSz="914400" rtl="0" eaLnBrk="0" fontAlgn="base" latinLnBrk="0" hangingPunct="0">
+              <a:lnSpc>
+                <a:spcPct val="100000"/>
+              </a:lnSpc>
+              <a:spcBef>
+                <a:spcPct val="0"/>
+              </a:spcBef>
+              <a:spcAft>
+                <a:spcPct val="0"/>
+              </a:spcAft>
+              <a:buClrTx/>
+              <a:buSzTx/>
+              <a:buFontTx/>
+              <a:buNone/>
+              <a:tabLst/>
+            </a:pPr>
+            <a:r>
+              <a:rPr kumimoji="0" lang="en-US" altLang="en-US" sz="900" b="0" i="0" u="none" strike="noStrike" cap="none" normalizeH="0" baseline="0" dirty="0">
+                <a:ln>
+                  <a:noFill/>
+                </a:ln>
+                <a:solidFill>
+                  <a:srgbClr val="273239"/>
+                </a:solidFill>
+                <a:effectLst/>
+                <a:latin typeface="Consolas" panose="020B0609020204030204" pitchFamily="49" charset="0"/>
+              </a:rPr>
+              <a:t>            </a:t>
+            </a:r>
+            <a:r>
+              <a:rPr kumimoji="0" lang="en-US" altLang="en-US" sz="900" b="0" i="0" u="none" strike="noStrike" cap="none" normalizeH="0" baseline="0" dirty="0">
+                <a:ln>
+                  <a:noFill/>
+                </a:ln>
+                <a:solidFill>
+                  <a:srgbClr val="000000"/>
+                </a:solidFill>
+                <a:effectLst/>
+                <a:latin typeface="Consolas" panose="020B0609020204030204" pitchFamily="49" charset="0"/>
+              </a:rPr>
+              <a:t>max_ending_here = max_ending_here + a[i];</a:t>
+            </a:r>
+            <a:endParaRPr kumimoji="0" lang="en-US" altLang="en-US" sz="100" b="0" i="0" u="none" strike="noStrike" cap="none" normalizeH="0" baseline="0" dirty="0">
+              <a:ln>
+                <a:noFill/>
+              </a:ln>
+              <a:solidFill>
+                <a:schemeClr val="tx1"/>
+              </a:solidFill>
+              <a:effectLst/>
+            </a:endParaRPr>
+          </a:p>
+          <a:p>
+            <a:pPr marL="0" marR="0" lvl="0" indent="0" algn="l" defTabSz="914400" rtl="0" eaLnBrk="0" fontAlgn="base" latinLnBrk="0" hangingPunct="0">
+              <a:lnSpc>
+                <a:spcPct val="100000"/>
+              </a:lnSpc>
+              <a:spcBef>
+                <a:spcPct val="0"/>
+              </a:spcBef>
+              <a:spcAft>
+                <a:spcPct val="0"/>
+              </a:spcAft>
+              <a:buClrTx/>
+              <a:buSzTx/>
+              <a:buFontTx/>
+              <a:buNone/>
+              <a:tabLst/>
+            </a:pPr>
+            <a:r>
+              <a:rPr kumimoji="0" lang="en-US" altLang="en-US" sz="1200" b="0" i="0" u="none" strike="noStrike" cap="none" normalizeH="0" baseline="0" dirty="0">
+                <a:ln>
+                  <a:noFill/>
+                </a:ln>
+                <a:solidFill>
+                  <a:srgbClr val="273239"/>
+                </a:solidFill>
+                <a:effectLst/>
+                <a:latin typeface="Consolas" panose="020B0609020204030204" pitchFamily="49" charset="0"/>
+              </a:rPr>
+              <a:t> </a:t>
+            </a:r>
+            <a:endParaRPr kumimoji="0" lang="en-US" altLang="en-US" sz="1200" b="0" i="0" u="none" strike="noStrike" cap="none" normalizeH="0" baseline="0" dirty="0">
+              <a:ln>
+                <a:noFill/>
+              </a:ln>
+              <a:solidFill>
+                <a:schemeClr val="tx1"/>
+              </a:solidFill>
+              <a:effectLst/>
+            </a:endParaRPr>
+          </a:p>
+          <a:p>
+            <a:pPr marL="0" marR="0" lvl="0" indent="0" algn="l" defTabSz="914400" rtl="0" eaLnBrk="0" fontAlgn="base" latinLnBrk="0" hangingPunct="0">
+              <a:lnSpc>
+                <a:spcPct val="100000"/>
+              </a:lnSpc>
+              <a:spcBef>
+                <a:spcPct val="0"/>
+              </a:spcBef>
+              <a:spcAft>
+                <a:spcPct val="0"/>
+              </a:spcAft>
+              <a:buClrTx/>
+              <a:buSzTx/>
+              <a:buFontTx/>
+              <a:buNone/>
+              <a:tabLst/>
+            </a:pPr>
+            <a:r>
+              <a:rPr kumimoji="0" lang="en-US" altLang="en-US" sz="900" b="0" i="0" u="none" strike="noStrike" cap="none" normalizeH="0" baseline="0" dirty="0">
+                <a:ln>
+                  <a:noFill/>
+                </a:ln>
+                <a:solidFill>
+                  <a:srgbClr val="273239"/>
+                </a:solidFill>
+                <a:effectLst/>
+                <a:latin typeface="Consolas" panose="020B0609020204030204" pitchFamily="49" charset="0"/>
+              </a:rPr>
+              <a:t>            </a:t>
+            </a:r>
+            <a:r>
+              <a:rPr kumimoji="0" lang="en-US" altLang="en-US" sz="900" b="1" i="0" u="none" strike="noStrike" cap="none" normalizeH="0" baseline="0" dirty="0">
+                <a:ln>
+                  <a:noFill/>
+                </a:ln>
+                <a:solidFill>
+                  <a:srgbClr val="006699"/>
+                </a:solidFill>
+                <a:effectLst/>
+                <a:latin typeface="Consolas" panose="020B0609020204030204" pitchFamily="49" charset="0"/>
+              </a:rPr>
+              <a:t>if</a:t>
+            </a:r>
+            <a:r>
+              <a:rPr kumimoji="0" lang="en-US" altLang="en-US" sz="100" b="0" i="0" u="none" strike="noStrike" cap="none" normalizeH="0" baseline="0" dirty="0">
+                <a:ln>
+                  <a:noFill/>
+                </a:ln>
+                <a:solidFill>
+                  <a:srgbClr val="273239"/>
+                </a:solidFill>
+                <a:effectLst/>
+                <a:latin typeface="Consolas" panose="020B0609020204030204" pitchFamily="49" charset="0"/>
+              </a:rPr>
+              <a:t> </a:t>
+            </a:r>
+            <a:r>
+              <a:rPr kumimoji="0" lang="en-US" altLang="en-US" sz="900" b="0" i="0" u="none" strike="noStrike" cap="none" normalizeH="0" baseline="0" dirty="0">
+                <a:ln>
+                  <a:noFill/>
+                </a:ln>
+                <a:solidFill>
+                  <a:srgbClr val="000000"/>
+                </a:solidFill>
+                <a:effectLst/>
+                <a:latin typeface="Consolas" panose="020B0609020204030204" pitchFamily="49" charset="0"/>
+              </a:rPr>
+              <a:t>(max_so_far &lt; max_ending_here) {</a:t>
+            </a:r>
+            <a:endParaRPr kumimoji="0" lang="en-US" altLang="en-US" sz="100" b="0" i="0" u="none" strike="noStrike" cap="none" normalizeH="0" baseline="0" dirty="0">
+              <a:ln>
+                <a:noFill/>
+              </a:ln>
+              <a:solidFill>
+                <a:schemeClr val="tx1"/>
+              </a:solidFill>
+              <a:effectLst/>
+            </a:endParaRPr>
+          </a:p>
+          <a:p>
+            <a:pPr marL="0" marR="0" lvl="0" indent="0" algn="l" defTabSz="914400" rtl="0" eaLnBrk="0" fontAlgn="base" latinLnBrk="0" hangingPunct="0">
+              <a:lnSpc>
+                <a:spcPct val="100000"/>
+              </a:lnSpc>
+              <a:spcBef>
+                <a:spcPct val="0"/>
+              </a:spcBef>
+              <a:spcAft>
+                <a:spcPct val="0"/>
+              </a:spcAft>
+              <a:buClrTx/>
+              <a:buSzTx/>
+              <a:buFontTx/>
+              <a:buNone/>
+              <a:tabLst/>
+            </a:pPr>
+            <a:r>
+              <a:rPr kumimoji="0" lang="en-US" altLang="en-US" sz="900" b="0" i="0" u="none" strike="noStrike" cap="none" normalizeH="0" baseline="0" dirty="0">
+                <a:ln>
+                  <a:noFill/>
+                </a:ln>
+                <a:solidFill>
+                  <a:srgbClr val="273239"/>
+                </a:solidFill>
+                <a:effectLst/>
+                <a:latin typeface="Consolas" panose="020B0609020204030204" pitchFamily="49" charset="0"/>
+              </a:rPr>
+              <a:t>                </a:t>
+            </a:r>
+            <a:r>
+              <a:rPr kumimoji="0" lang="en-US" altLang="en-US" sz="900" b="0" i="0" u="none" strike="noStrike" cap="none" normalizeH="0" baseline="0" dirty="0">
+                <a:ln>
+                  <a:noFill/>
+                </a:ln>
+                <a:solidFill>
+                  <a:srgbClr val="000000"/>
+                </a:solidFill>
+                <a:effectLst/>
+                <a:latin typeface="Consolas" panose="020B0609020204030204" pitchFamily="49" charset="0"/>
+              </a:rPr>
+              <a:t>max_so_far = max_ending_here;</a:t>
+            </a:r>
+            <a:endParaRPr kumimoji="0" lang="en-US" altLang="en-US" sz="100" b="0" i="0" u="none" strike="noStrike" cap="none" normalizeH="0" baseline="0" dirty="0">
+              <a:ln>
+                <a:noFill/>
+              </a:ln>
+              <a:solidFill>
+                <a:schemeClr val="tx1"/>
+              </a:solidFill>
+              <a:effectLst/>
+            </a:endParaRPr>
+          </a:p>
+          <a:p>
+            <a:pPr marL="0" marR="0" lvl="0" indent="0" algn="l" defTabSz="914400" rtl="0" eaLnBrk="0" fontAlgn="base" latinLnBrk="0" hangingPunct="0">
+              <a:lnSpc>
+                <a:spcPct val="100000"/>
+              </a:lnSpc>
+              <a:spcBef>
+                <a:spcPct val="0"/>
+              </a:spcBef>
+              <a:spcAft>
+                <a:spcPct val="0"/>
+              </a:spcAft>
+              <a:buClrTx/>
+              <a:buSzTx/>
+              <a:buFontTx/>
+              <a:buNone/>
+              <a:tabLst/>
+            </a:pPr>
+            <a:r>
+              <a:rPr kumimoji="0" lang="en-US" altLang="en-US" sz="900" b="0" i="0" u="none" strike="noStrike" cap="none" normalizeH="0" baseline="0" dirty="0">
+                <a:ln>
+                  <a:noFill/>
+                </a:ln>
+                <a:solidFill>
+                  <a:srgbClr val="273239"/>
+                </a:solidFill>
+                <a:effectLst/>
+                <a:latin typeface="Consolas" panose="020B0609020204030204" pitchFamily="49" charset="0"/>
+              </a:rPr>
+              <a:t>                </a:t>
+            </a:r>
+            <a:r>
+              <a:rPr kumimoji="0" lang="en-US" altLang="en-US" sz="900" b="0" i="0" u="none" strike="noStrike" cap="none" normalizeH="0" baseline="0" dirty="0">
+                <a:ln>
+                  <a:noFill/>
+                </a:ln>
+                <a:solidFill>
+                  <a:srgbClr val="000000"/>
+                </a:solidFill>
+                <a:effectLst/>
+                <a:latin typeface="Consolas" panose="020B0609020204030204" pitchFamily="49" charset="0"/>
+              </a:rPr>
+              <a:t>start = s;</a:t>
+            </a:r>
+            <a:endParaRPr kumimoji="0" lang="en-US" altLang="en-US" sz="100" b="0" i="0" u="none" strike="noStrike" cap="none" normalizeH="0" baseline="0" dirty="0">
+              <a:ln>
+                <a:noFill/>
+              </a:ln>
+              <a:solidFill>
+                <a:schemeClr val="tx1"/>
+              </a:solidFill>
+              <a:effectLst/>
+            </a:endParaRPr>
+          </a:p>
+          <a:p>
+            <a:pPr marL="0" marR="0" lvl="0" indent="0" algn="l" defTabSz="914400" rtl="0" eaLnBrk="0" fontAlgn="base" latinLnBrk="0" hangingPunct="0">
+              <a:lnSpc>
+                <a:spcPct val="100000"/>
+              </a:lnSpc>
+              <a:spcBef>
+                <a:spcPct val="0"/>
+              </a:spcBef>
+              <a:spcAft>
+                <a:spcPct val="0"/>
+              </a:spcAft>
+              <a:buClrTx/>
+              <a:buSzTx/>
+              <a:buFontTx/>
+              <a:buNone/>
+              <a:tabLst/>
+            </a:pPr>
+            <a:r>
+              <a:rPr kumimoji="0" lang="en-US" altLang="en-US" sz="900" b="0" i="0" u="none" strike="noStrike" cap="none" normalizeH="0" baseline="0" dirty="0">
+                <a:ln>
+                  <a:noFill/>
+                </a:ln>
+                <a:solidFill>
+                  <a:srgbClr val="273239"/>
+                </a:solidFill>
+                <a:effectLst/>
+                <a:latin typeface="Consolas" panose="020B0609020204030204" pitchFamily="49" charset="0"/>
+              </a:rPr>
+              <a:t>                </a:t>
+            </a:r>
+            <a:r>
+              <a:rPr kumimoji="0" lang="en-US" altLang="en-US" sz="900" b="0" i="0" u="none" strike="noStrike" cap="none" normalizeH="0" baseline="0" dirty="0">
+                <a:ln>
+                  <a:noFill/>
+                </a:ln>
+                <a:solidFill>
+                  <a:srgbClr val="000000"/>
+                </a:solidFill>
+                <a:effectLst/>
+                <a:latin typeface="Consolas" panose="020B0609020204030204" pitchFamily="49" charset="0"/>
+              </a:rPr>
+              <a:t>end = i;</a:t>
+            </a:r>
+            <a:endParaRPr kumimoji="0" lang="en-US" altLang="en-US" sz="100" b="0" i="0" u="none" strike="noStrike" cap="none" normalizeH="0" baseline="0" dirty="0">
+              <a:ln>
+                <a:noFill/>
+              </a:ln>
+              <a:solidFill>
+                <a:schemeClr val="tx1"/>
+              </a:solidFill>
+              <a:effectLst/>
+            </a:endParaRPr>
+          </a:p>
+          <a:p>
+            <a:pPr marL="0" marR="0" lvl="0" indent="0" algn="l" defTabSz="914400" rtl="0" eaLnBrk="0" fontAlgn="base" latinLnBrk="0" hangingPunct="0">
+              <a:lnSpc>
+                <a:spcPct val="100000"/>
+              </a:lnSpc>
+              <a:spcBef>
+                <a:spcPct val="0"/>
+              </a:spcBef>
+              <a:spcAft>
+                <a:spcPct val="0"/>
+              </a:spcAft>
+              <a:buClrTx/>
+              <a:buSzTx/>
+              <a:buFontTx/>
+              <a:buNone/>
+              <a:tabLst/>
+            </a:pPr>
+            <a:r>
+              <a:rPr kumimoji="0" lang="en-US" altLang="en-US" sz="900" b="0" i="0" u="none" strike="noStrike" cap="none" normalizeH="0" baseline="0" dirty="0">
+                <a:ln>
+                  <a:noFill/>
+                </a:ln>
+                <a:solidFill>
+                  <a:srgbClr val="273239"/>
+                </a:solidFill>
+                <a:effectLst/>
+                <a:latin typeface="Consolas" panose="020B0609020204030204" pitchFamily="49" charset="0"/>
+              </a:rPr>
+              <a:t>            </a:t>
+            </a:r>
+            <a:r>
+              <a:rPr kumimoji="0" lang="en-US" altLang="en-US" sz="900" b="0" i="0" u="none" strike="noStrike" cap="none" normalizeH="0" baseline="0" dirty="0">
+                <a:ln>
+                  <a:noFill/>
+                </a:ln>
+                <a:solidFill>
+                  <a:srgbClr val="000000"/>
+                </a:solidFill>
+                <a:effectLst/>
+                <a:latin typeface="Consolas" panose="020B0609020204030204" pitchFamily="49" charset="0"/>
+              </a:rPr>
               <a:t>}</a:t>
             </a:r>
-          </a:p>
-          <a:p>
-            <a:endParaRPr lang="en-IN" sz="1100" i="1" dirty="0"/>
-          </a:p>
-          <a:p>
-            <a:r>
-              <a:rPr lang="en-IN" sz="1100" i="1" dirty="0"/>
-              <a:t>main(){</a:t>
-            </a:r>
-          </a:p>
-          <a:p>
-            <a:r>
-              <a:rPr lang="en-IN" sz="1100" i="1" dirty="0"/>
-              <a:t>    int n;</a:t>
-            </a:r>
-          </a:p>
-          <a:p>
-            <a:r>
-              <a:rPr lang="en-IN" sz="1100" i="1" dirty="0"/>
-              <a:t>    f(1, n);</a:t>
-            </a:r>
-          </a:p>
-          <a:p>
-            <a:r>
-              <a:rPr lang="en-IN" sz="1100" i="1" dirty="0"/>
+            <a:endParaRPr kumimoji="0" lang="en-US" altLang="en-US" sz="100" b="0" i="0" u="none" strike="noStrike" cap="none" normalizeH="0" baseline="0" dirty="0">
+              <a:ln>
+                <a:noFill/>
+              </a:ln>
+              <a:solidFill>
+                <a:schemeClr val="tx1"/>
+              </a:solidFill>
+              <a:effectLst/>
+            </a:endParaRPr>
+          </a:p>
+          <a:p>
+            <a:pPr marL="0" marR="0" lvl="0" indent="0" algn="l" defTabSz="914400" rtl="0" eaLnBrk="0" fontAlgn="base" latinLnBrk="0" hangingPunct="0">
+              <a:lnSpc>
+                <a:spcPct val="100000"/>
+              </a:lnSpc>
+              <a:spcBef>
+                <a:spcPct val="0"/>
+              </a:spcBef>
+              <a:spcAft>
+                <a:spcPct val="0"/>
+              </a:spcAft>
+              <a:buClrTx/>
+              <a:buSzTx/>
+              <a:buFontTx/>
+              <a:buNone/>
+              <a:tabLst/>
+            </a:pPr>
+            <a:r>
+              <a:rPr kumimoji="0" lang="en-US" altLang="en-US" sz="1200" b="0" i="0" u="none" strike="noStrike" cap="none" normalizeH="0" baseline="0" dirty="0">
+                <a:ln>
+                  <a:noFill/>
+                </a:ln>
+                <a:solidFill>
+                  <a:srgbClr val="273239"/>
+                </a:solidFill>
+                <a:effectLst/>
+                <a:latin typeface="Consolas" panose="020B0609020204030204" pitchFamily="49" charset="0"/>
+              </a:rPr>
+              <a:t> </a:t>
+            </a:r>
+            <a:endParaRPr kumimoji="0" lang="en-US" altLang="en-US" sz="1200" b="0" i="0" u="none" strike="noStrike" cap="none" normalizeH="0" baseline="0" dirty="0">
+              <a:ln>
+                <a:noFill/>
+              </a:ln>
+              <a:solidFill>
+                <a:schemeClr val="tx1"/>
+              </a:solidFill>
+              <a:effectLst/>
+            </a:endParaRPr>
+          </a:p>
+          <a:p>
+            <a:pPr marL="0" marR="0" lvl="0" indent="0" algn="l" defTabSz="914400" rtl="0" eaLnBrk="0" fontAlgn="base" latinLnBrk="0" hangingPunct="0">
+              <a:lnSpc>
+                <a:spcPct val="100000"/>
+              </a:lnSpc>
+              <a:spcBef>
+                <a:spcPct val="0"/>
+              </a:spcBef>
+              <a:spcAft>
+                <a:spcPct val="0"/>
+              </a:spcAft>
+              <a:buClrTx/>
+              <a:buSzTx/>
+              <a:buFontTx/>
+              <a:buNone/>
+              <a:tabLst/>
+            </a:pPr>
+            <a:r>
+              <a:rPr kumimoji="0" lang="en-US" altLang="en-US" sz="900" b="0" i="0" u="none" strike="noStrike" cap="none" normalizeH="0" baseline="0" dirty="0">
+                <a:ln>
+                  <a:noFill/>
+                </a:ln>
+                <a:solidFill>
+                  <a:srgbClr val="273239"/>
+                </a:solidFill>
+                <a:effectLst/>
+                <a:latin typeface="Consolas" panose="020B0609020204030204" pitchFamily="49" charset="0"/>
+              </a:rPr>
+              <a:t>            </a:t>
+            </a:r>
+            <a:r>
+              <a:rPr kumimoji="0" lang="en-US" altLang="en-US" sz="900" b="1" i="0" u="none" strike="noStrike" cap="none" normalizeH="0" baseline="0" dirty="0">
+                <a:ln>
+                  <a:noFill/>
+                </a:ln>
+                <a:solidFill>
+                  <a:srgbClr val="006699"/>
+                </a:solidFill>
+                <a:effectLst/>
+                <a:latin typeface="Consolas" panose="020B0609020204030204" pitchFamily="49" charset="0"/>
+              </a:rPr>
+              <a:t>if</a:t>
+            </a:r>
+            <a:r>
+              <a:rPr kumimoji="0" lang="en-US" altLang="en-US" sz="100" b="0" i="0" u="none" strike="noStrike" cap="none" normalizeH="0" baseline="0" dirty="0">
+                <a:ln>
+                  <a:noFill/>
+                </a:ln>
+                <a:solidFill>
+                  <a:srgbClr val="273239"/>
+                </a:solidFill>
+                <a:effectLst/>
+                <a:latin typeface="Consolas" panose="020B0609020204030204" pitchFamily="49" charset="0"/>
+              </a:rPr>
+              <a:t> </a:t>
+            </a:r>
+            <a:r>
+              <a:rPr kumimoji="0" lang="en-US" altLang="en-US" sz="900" b="0" i="0" u="none" strike="noStrike" cap="none" normalizeH="0" baseline="0" dirty="0">
+                <a:ln>
+                  <a:noFill/>
+                </a:ln>
+                <a:solidFill>
+                  <a:srgbClr val="000000"/>
+                </a:solidFill>
+                <a:effectLst/>
+                <a:latin typeface="Consolas" panose="020B0609020204030204" pitchFamily="49" charset="0"/>
+              </a:rPr>
+              <a:t>(max_ending_here &lt; </a:t>
+            </a:r>
+            <a:r>
+              <a:rPr kumimoji="0" lang="en-US" altLang="en-US" sz="900" b="0" i="0" u="none" strike="noStrike" cap="none" normalizeH="0" baseline="0" dirty="0">
+                <a:ln>
+                  <a:noFill/>
+                </a:ln>
+                <a:solidFill>
+                  <a:srgbClr val="009900"/>
+                </a:solidFill>
+                <a:effectLst/>
+                <a:latin typeface="Consolas" panose="020B0609020204030204" pitchFamily="49" charset="0"/>
+              </a:rPr>
+              <a:t>0</a:t>
+            </a:r>
+            <a:r>
+              <a:rPr kumimoji="0" lang="en-US" altLang="en-US" sz="900" b="0" i="0" u="none" strike="noStrike" cap="none" normalizeH="0" baseline="0" dirty="0">
+                <a:ln>
+                  <a:noFill/>
+                </a:ln>
+                <a:solidFill>
+                  <a:srgbClr val="000000"/>
+                </a:solidFill>
+                <a:effectLst/>
+                <a:latin typeface="Consolas" panose="020B0609020204030204" pitchFamily="49" charset="0"/>
+              </a:rPr>
+              <a:t>) {</a:t>
+            </a:r>
+            <a:endParaRPr kumimoji="0" lang="en-US" altLang="en-US" sz="100" b="0" i="0" u="none" strike="noStrike" cap="none" normalizeH="0" baseline="0" dirty="0">
+              <a:ln>
+                <a:noFill/>
+              </a:ln>
+              <a:solidFill>
+                <a:schemeClr val="tx1"/>
+              </a:solidFill>
+              <a:effectLst/>
+            </a:endParaRPr>
+          </a:p>
+          <a:p>
+            <a:pPr marL="0" marR="0" lvl="0" indent="0" algn="l" defTabSz="914400" rtl="0" eaLnBrk="0" fontAlgn="base" latinLnBrk="0" hangingPunct="0">
+              <a:lnSpc>
+                <a:spcPct val="100000"/>
+              </a:lnSpc>
+              <a:spcBef>
+                <a:spcPct val="0"/>
+              </a:spcBef>
+              <a:spcAft>
+                <a:spcPct val="0"/>
+              </a:spcAft>
+              <a:buClrTx/>
+              <a:buSzTx/>
+              <a:buFontTx/>
+              <a:buNone/>
+              <a:tabLst/>
+            </a:pPr>
+            <a:r>
+              <a:rPr kumimoji="0" lang="en-US" altLang="en-US" sz="900" b="0" i="0" u="none" strike="noStrike" cap="none" normalizeH="0" baseline="0" dirty="0">
+                <a:ln>
+                  <a:noFill/>
+                </a:ln>
+                <a:solidFill>
+                  <a:srgbClr val="273239"/>
+                </a:solidFill>
+                <a:effectLst/>
+                <a:latin typeface="Consolas" panose="020B0609020204030204" pitchFamily="49" charset="0"/>
+              </a:rPr>
+              <a:t>                </a:t>
+            </a:r>
+            <a:r>
+              <a:rPr kumimoji="0" lang="en-US" altLang="en-US" sz="900" b="0" i="0" u="none" strike="noStrike" cap="none" normalizeH="0" baseline="0" dirty="0">
+                <a:ln>
+                  <a:noFill/>
+                </a:ln>
+                <a:solidFill>
+                  <a:srgbClr val="000000"/>
+                </a:solidFill>
+                <a:effectLst/>
+                <a:latin typeface="Consolas" panose="020B0609020204030204" pitchFamily="49" charset="0"/>
+              </a:rPr>
+              <a:t>max_ending_here = </a:t>
+            </a:r>
+            <a:r>
+              <a:rPr kumimoji="0" lang="en-US" altLang="en-US" sz="900" b="0" i="0" u="none" strike="noStrike" cap="none" normalizeH="0" baseline="0" dirty="0">
+                <a:ln>
+                  <a:noFill/>
+                </a:ln>
+                <a:solidFill>
+                  <a:srgbClr val="009900"/>
+                </a:solidFill>
+                <a:effectLst/>
+                <a:latin typeface="Consolas" panose="020B0609020204030204" pitchFamily="49" charset="0"/>
+              </a:rPr>
+              <a:t>0</a:t>
+            </a:r>
+            <a:r>
+              <a:rPr kumimoji="0" lang="en-US" altLang="en-US" sz="900" b="0" i="0" u="none" strike="noStrike" cap="none" normalizeH="0" baseline="0" dirty="0">
+                <a:ln>
+                  <a:noFill/>
+                </a:ln>
+                <a:solidFill>
+                  <a:srgbClr val="000000"/>
+                </a:solidFill>
+                <a:effectLst/>
+                <a:latin typeface="Consolas" panose="020B0609020204030204" pitchFamily="49" charset="0"/>
+              </a:rPr>
+              <a:t>;</a:t>
+            </a:r>
+            <a:endParaRPr kumimoji="0" lang="en-US" altLang="en-US" sz="100" b="0" i="0" u="none" strike="noStrike" cap="none" normalizeH="0" baseline="0" dirty="0">
+              <a:ln>
+                <a:noFill/>
+              </a:ln>
+              <a:solidFill>
+                <a:schemeClr val="tx1"/>
+              </a:solidFill>
+              <a:effectLst/>
+            </a:endParaRPr>
+          </a:p>
+          <a:p>
+            <a:pPr marL="0" marR="0" lvl="0" indent="0" algn="l" defTabSz="914400" rtl="0" eaLnBrk="0" fontAlgn="base" latinLnBrk="0" hangingPunct="0">
+              <a:lnSpc>
+                <a:spcPct val="100000"/>
+              </a:lnSpc>
+              <a:spcBef>
+                <a:spcPct val="0"/>
+              </a:spcBef>
+              <a:spcAft>
+                <a:spcPct val="0"/>
+              </a:spcAft>
+              <a:buClrTx/>
+              <a:buSzTx/>
+              <a:buFontTx/>
+              <a:buNone/>
+              <a:tabLst/>
+            </a:pPr>
+            <a:r>
+              <a:rPr kumimoji="0" lang="en-US" altLang="en-US" sz="900" b="0" i="0" u="none" strike="noStrike" cap="none" normalizeH="0" baseline="0" dirty="0">
+                <a:ln>
+                  <a:noFill/>
+                </a:ln>
+                <a:solidFill>
+                  <a:srgbClr val="273239"/>
+                </a:solidFill>
+                <a:effectLst/>
+                <a:latin typeface="Consolas" panose="020B0609020204030204" pitchFamily="49" charset="0"/>
+              </a:rPr>
+              <a:t>                </a:t>
+            </a:r>
+            <a:r>
+              <a:rPr kumimoji="0" lang="en-US" altLang="en-US" sz="900" b="0" i="0" u="none" strike="noStrike" cap="none" normalizeH="0" baseline="0" dirty="0">
+                <a:ln>
+                  <a:noFill/>
+                </a:ln>
+                <a:solidFill>
+                  <a:srgbClr val="000000"/>
+                </a:solidFill>
+                <a:effectLst/>
+                <a:latin typeface="Consolas" panose="020B0609020204030204" pitchFamily="49" charset="0"/>
+              </a:rPr>
+              <a:t>s = i + </a:t>
+            </a:r>
+            <a:r>
+              <a:rPr kumimoji="0" lang="en-US" altLang="en-US" sz="900" b="0" i="0" u="none" strike="noStrike" cap="none" normalizeH="0" baseline="0" dirty="0">
+                <a:ln>
+                  <a:noFill/>
+                </a:ln>
+                <a:solidFill>
+                  <a:srgbClr val="009900"/>
+                </a:solidFill>
+                <a:effectLst/>
+                <a:latin typeface="Consolas" panose="020B0609020204030204" pitchFamily="49" charset="0"/>
+              </a:rPr>
+              <a:t>1</a:t>
+            </a:r>
+            <a:r>
+              <a:rPr kumimoji="0" lang="en-US" altLang="en-US" sz="900" b="0" i="0" u="none" strike="noStrike" cap="none" normalizeH="0" baseline="0" dirty="0">
+                <a:ln>
+                  <a:noFill/>
+                </a:ln>
+                <a:solidFill>
+                  <a:srgbClr val="000000"/>
+                </a:solidFill>
+                <a:effectLst/>
+                <a:latin typeface="Consolas" panose="020B0609020204030204" pitchFamily="49" charset="0"/>
+              </a:rPr>
+              <a:t>;</a:t>
+            </a:r>
+            <a:endParaRPr kumimoji="0" lang="en-US" altLang="en-US" sz="100" b="0" i="0" u="none" strike="noStrike" cap="none" normalizeH="0" baseline="0" dirty="0">
+              <a:ln>
+                <a:noFill/>
+              </a:ln>
+              <a:solidFill>
+                <a:schemeClr val="tx1"/>
+              </a:solidFill>
+              <a:effectLst/>
+            </a:endParaRPr>
+          </a:p>
+          <a:p>
+            <a:pPr marL="0" marR="0" lvl="0" indent="0" algn="l" defTabSz="914400" rtl="0" eaLnBrk="0" fontAlgn="base" latinLnBrk="0" hangingPunct="0">
+              <a:lnSpc>
+                <a:spcPct val="100000"/>
+              </a:lnSpc>
+              <a:spcBef>
+                <a:spcPct val="0"/>
+              </a:spcBef>
+              <a:spcAft>
+                <a:spcPct val="0"/>
+              </a:spcAft>
+              <a:buClrTx/>
+              <a:buSzTx/>
+              <a:buFontTx/>
+              <a:buNone/>
+              <a:tabLst/>
+            </a:pPr>
+            <a:r>
+              <a:rPr kumimoji="0" lang="en-US" altLang="en-US" sz="900" b="0" i="0" u="none" strike="noStrike" cap="none" normalizeH="0" baseline="0" dirty="0">
+                <a:ln>
+                  <a:noFill/>
+                </a:ln>
+                <a:solidFill>
+                  <a:srgbClr val="273239"/>
+                </a:solidFill>
+                <a:effectLst/>
+                <a:latin typeface="Consolas" panose="020B0609020204030204" pitchFamily="49" charset="0"/>
+              </a:rPr>
+              <a:t>            </a:t>
+            </a:r>
+            <a:r>
+              <a:rPr kumimoji="0" lang="en-US" altLang="en-US" sz="900" b="0" i="0" u="none" strike="noStrike" cap="none" normalizeH="0" baseline="0" dirty="0">
+                <a:ln>
+                  <a:noFill/>
+                </a:ln>
+                <a:solidFill>
+                  <a:srgbClr val="000000"/>
+                </a:solidFill>
+                <a:effectLst/>
+                <a:latin typeface="Consolas" panose="020B0609020204030204" pitchFamily="49" charset="0"/>
+              </a:rPr>
               <a:t>}</a:t>
             </a:r>
-          </a:p>
-          <a:p>
-            <a:endParaRPr lang="en-IN" sz="1100" i="1" dirty="0"/>
-          </a:p>
-          <a:p>
-            <a:endParaRPr lang="en-IN" sz="1100" i="1" dirty="0"/>
+            <a:endParaRPr kumimoji="0" lang="en-US" altLang="en-US" sz="100" b="0" i="0" u="none" strike="noStrike" cap="none" normalizeH="0" baseline="0" dirty="0">
+              <a:ln>
+                <a:noFill/>
+              </a:ln>
+              <a:solidFill>
+                <a:schemeClr val="tx1"/>
+              </a:solidFill>
+              <a:effectLst/>
+            </a:endParaRPr>
+          </a:p>
+          <a:p>
+            <a:pPr marL="0" marR="0" lvl="0" indent="0" algn="l" defTabSz="914400" rtl="0" eaLnBrk="0" fontAlgn="base" latinLnBrk="0" hangingPunct="0">
+              <a:lnSpc>
+                <a:spcPct val="100000"/>
+              </a:lnSpc>
+              <a:spcBef>
+                <a:spcPct val="0"/>
+              </a:spcBef>
+              <a:spcAft>
+                <a:spcPct val="0"/>
+              </a:spcAft>
+              <a:buClrTx/>
+              <a:buSzTx/>
+              <a:buFontTx/>
+              <a:buNone/>
+              <a:tabLst/>
+            </a:pPr>
+            <a:r>
+              <a:rPr kumimoji="0" lang="en-US" altLang="en-US" sz="900" b="0" i="0" u="none" strike="noStrike" cap="none" normalizeH="0" baseline="0" dirty="0">
+                <a:ln>
+                  <a:noFill/>
+                </a:ln>
+                <a:solidFill>
+                  <a:srgbClr val="273239"/>
+                </a:solidFill>
+                <a:effectLst/>
+                <a:latin typeface="Consolas" panose="020B0609020204030204" pitchFamily="49" charset="0"/>
+              </a:rPr>
+              <a:t>        </a:t>
+            </a:r>
+            <a:r>
+              <a:rPr kumimoji="0" lang="en-US" altLang="en-US" sz="900" b="0" i="0" u="none" strike="noStrike" cap="none" normalizeH="0" baseline="0" dirty="0">
+                <a:ln>
+                  <a:noFill/>
+                </a:ln>
+                <a:solidFill>
+                  <a:srgbClr val="000000"/>
+                </a:solidFill>
+                <a:effectLst/>
+                <a:latin typeface="Consolas" panose="020B0609020204030204" pitchFamily="49" charset="0"/>
+              </a:rPr>
+              <a:t>}</a:t>
+            </a:r>
+            <a:endParaRPr kumimoji="0" lang="en-US" altLang="en-US" sz="100" b="0" i="0" u="none" strike="noStrike" cap="none" normalizeH="0" baseline="0" dirty="0">
+              <a:ln>
+                <a:noFill/>
+              </a:ln>
+              <a:solidFill>
+                <a:schemeClr val="tx1"/>
+              </a:solidFill>
+              <a:effectLst/>
+            </a:endParaRPr>
+          </a:p>
+          <a:p>
+            <a:pPr marL="0" marR="0" lvl="0" indent="0" algn="l" defTabSz="914400" rtl="0" eaLnBrk="0" fontAlgn="base" latinLnBrk="0" hangingPunct="0">
+              <a:lnSpc>
+                <a:spcPct val="100000"/>
+              </a:lnSpc>
+              <a:spcBef>
+                <a:spcPct val="0"/>
+              </a:spcBef>
+              <a:spcAft>
+                <a:spcPct val="0"/>
+              </a:spcAft>
+              <a:buClrTx/>
+              <a:buSzTx/>
+              <a:buFontTx/>
+              <a:buNone/>
+              <a:tabLst/>
+            </a:pPr>
+            <a:r>
+              <a:rPr kumimoji="0" lang="en-US" altLang="en-US" sz="900" b="0" i="0" u="none" strike="noStrike" cap="none" normalizeH="0" baseline="0" dirty="0">
+                <a:ln>
+                  <a:noFill/>
+                </a:ln>
+                <a:solidFill>
+                  <a:srgbClr val="273239"/>
+                </a:solidFill>
+                <a:effectLst/>
+                <a:latin typeface="Consolas" panose="020B0609020204030204" pitchFamily="49" charset="0"/>
+              </a:rPr>
+              <a:t>        </a:t>
+            </a:r>
+            <a:r>
+              <a:rPr kumimoji="0" lang="en-US" altLang="en-US" sz="900" b="0" i="0" u="none" strike="noStrike" cap="none" normalizeH="0" baseline="0" dirty="0">
+                <a:ln>
+                  <a:noFill/>
+                </a:ln>
+                <a:solidFill>
+                  <a:srgbClr val="000000"/>
+                </a:solidFill>
+                <a:effectLst/>
+                <a:latin typeface="Consolas" panose="020B0609020204030204" pitchFamily="49" charset="0"/>
+              </a:rPr>
+              <a:t>System.out.println(</a:t>
+            </a:r>
+            <a:r>
+              <a:rPr kumimoji="0" lang="en-US" altLang="en-US" sz="900" b="0" i="0" u="none" strike="noStrike" cap="none" normalizeH="0" baseline="0" dirty="0">
+                <a:ln>
+                  <a:noFill/>
+                </a:ln>
+                <a:solidFill>
+                  <a:srgbClr val="0000FF"/>
+                </a:solidFill>
+                <a:effectLst/>
+                <a:latin typeface="Consolas" panose="020B0609020204030204" pitchFamily="49" charset="0"/>
+              </a:rPr>
+              <a:t>"Maximum contiguous sum is "</a:t>
+            </a:r>
+            <a:r>
+              <a:rPr kumimoji="0" lang="en-US" altLang="en-US" sz="900" b="0" i="0" u="none" strike="noStrike" cap="none" normalizeH="0" baseline="0" dirty="0">
+                <a:ln>
+                  <a:noFill/>
+                </a:ln>
+                <a:solidFill>
+                  <a:srgbClr val="273239"/>
+                </a:solidFill>
+                <a:effectLst/>
+                <a:latin typeface="Consolas" panose="020B0609020204030204" pitchFamily="49" charset="0"/>
+              </a:rPr>
+              <a:t> </a:t>
+            </a:r>
+            <a:r>
+              <a:rPr kumimoji="0" lang="en-US" altLang="en-US" sz="900" b="0" i="0" u="none" strike="noStrike" cap="none" normalizeH="0" baseline="0" dirty="0">
+                <a:ln>
+                  <a:noFill/>
+                </a:ln>
+                <a:solidFill>
+                  <a:srgbClr val="000000"/>
+                </a:solidFill>
+                <a:effectLst/>
+                <a:latin typeface="Consolas" panose="020B0609020204030204" pitchFamily="49" charset="0"/>
+              </a:rPr>
+              <a:t>+ max_so_far);</a:t>
+            </a:r>
+            <a:endParaRPr kumimoji="0" lang="en-US" altLang="en-US" sz="100" b="0" i="0" u="none" strike="noStrike" cap="none" normalizeH="0" baseline="0" dirty="0">
+              <a:ln>
+                <a:noFill/>
+              </a:ln>
+              <a:solidFill>
+                <a:schemeClr val="tx1"/>
+              </a:solidFill>
+              <a:effectLst/>
+            </a:endParaRPr>
+          </a:p>
+          <a:p>
+            <a:pPr marL="0" marR="0" lvl="0" indent="0" algn="l" defTabSz="914400" rtl="0" eaLnBrk="0" fontAlgn="base" latinLnBrk="0" hangingPunct="0">
+              <a:lnSpc>
+                <a:spcPct val="100000"/>
+              </a:lnSpc>
+              <a:spcBef>
+                <a:spcPct val="0"/>
+              </a:spcBef>
+              <a:spcAft>
+                <a:spcPct val="0"/>
+              </a:spcAft>
+              <a:buClrTx/>
+              <a:buSzTx/>
+              <a:buFontTx/>
+              <a:buNone/>
+              <a:tabLst/>
+            </a:pPr>
+            <a:r>
+              <a:rPr kumimoji="0" lang="en-US" altLang="en-US" sz="900" b="0" i="0" u="none" strike="noStrike" cap="none" normalizeH="0" baseline="0" dirty="0">
+                <a:ln>
+                  <a:noFill/>
+                </a:ln>
+                <a:solidFill>
+                  <a:srgbClr val="273239"/>
+                </a:solidFill>
+                <a:effectLst/>
+                <a:latin typeface="Consolas" panose="020B0609020204030204" pitchFamily="49" charset="0"/>
+              </a:rPr>
+              <a:t>        </a:t>
+            </a:r>
+            <a:r>
+              <a:rPr kumimoji="0" lang="en-US" altLang="en-US" sz="900" b="0" i="0" u="none" strike="noStrike" cap="none" normalizeH="0" baseline="0" dirty="0">
+                <a:ln>
+                  <a:noFill/>
+                </a:ln>
+                <a:solidFill>
+                  <a:srgbClr val="000000"/>
+                </a:solidFill>
+                <a:effectLst/>
+                <a:latin typeface="Consolas" panose="020B0609020204030204" pitchFamily="49" charset="0"/>
+              </a:rPr>
+              <a:t>System.out.println(</a:t>
+            </a:r>
+            <a:r>
+              <a:rPr kumimoji="0" lang="en-US" altLang="en-US" sz="900" b="0" i="0" u="none" strike="noStrike" cap="none" normalizeH="0" baseline="0" dirty="0">
+                <a:ln>
+                  <a:noFill/>
+                </a:ln>
+                <a:solidFill>
+                  <a:srgbClr val="0000FF"/>
+                </a:solidFill>
+                <a:effectLst/>
+                <a:latin typeface="Consolas" panose="020B0609020204030204" pitchFamily="49" charset="0"/>
+              </a:rPr>
+              <a:t>"Starting index "</a:t>
+            </a:r>
+            <a:r>
+              <a:rPr kumimoji="0" lang="en-US" altLang="en-US" sz="100" b="0" i="0" u="none" strike="noStrike" cap="none" normalizeH="0" baseline="0" dirty="0">
+                <a:ln>
+                  <a:noFill/>
+                </a:ln>
+                <a:solidFill>
+                  <a:srgbClr val="273239"/>
+                </a:solidFill>
+                <a:effectLst/>
+                <a:latin typeface="Consolas" panose="020B0609020204030204" pitchFamily="49" charset="0"/>
+              </a:rPr>
+              <a:t> </a:t>
+            </a:r>
+            <a:r>
+              <a:rPr kumimoji="0" lang="en-US" altLang="en-US" sz="900" b="0" i="0" u="none" strike="noStrike" cap="none" normalizeH="0" baseline="0" dirty="0">
+                <a:ln>
+                  <a:noFill/>
+                </a:ln>
+                <a:solidFill>
+                  <a:srgbClr val="000000"/>
+                </a:solidFill>
+                <a:effectLst/>
+                <a:latin typeface="Consolas" panose="020B0609020204030204" pitchFamily="49" charset="0"/>
+              </a:rPr>
+              <a:t>+ start);</a:t>
+            </a:r>
+            <a:endParaRPr kumimoji="0" lang="en-US" altLang="en-US" sz="100" b="0" i="0" u="none" strike="noStrike" cap="none" normalizeH="0" baseline="0" dirty="0">
+              <a:ln>
+                <a:noFill/>
+              </a:ln>
+              <a:solidFill>
+                <a:schemeClr val="tx1"/>
+              </a:solidFill>
+              <a:effectLst/>
+            </a:endParaRPr>
+          </a:p>
+          <a:p>
+            <a:pPr marL="0" marR="0" lvl="0" indent="0" algn="l" defTabSz="914400" rtl="0" eaLnBrk="0" fontAlgn="base" latinLnBrk="0" hangingPunct="0">
+              <a:lnSpc>
+                <a:spcPct val="100000"/>
+              </a:lnSpc>
+              <a:spcBef>
+                <a:spcPct val="0"/>
+              </a:spcBef>
+              <a:spcAft>
+                <a:spcPct val="0"/>
+              </a:spcAft>
+              <a:buClrTx/>
+              <a:buSzTx/>
+              <a:buFontTx/>
+              <a:buNone/>
+              <a:tabLst/>
+            </a:pPr>
+            <a:r>
+              <a:rPr kumimoji="0" lang="en-US" altLang="en-US" sz="900" b="0" i="0" u="none" strike="noStrike" cap="none" normalizeH="0" baseline="0" dirty="0">
+                <a:ln>
+                  <a:noFill/>
+                </a:ln>
+                <a:solidFill>
+                  <a:srgbClr val="273239"/>
+                </a:solidFill>
+                <a:effectLst/>
+                <a:latin typeface="Consolas" panose="020B0609020204030204" pitchFamily="49" charset="0"/>
+              </a:rPr>
+              <a:t>        </a:t>
+            </a:r>
+            <a:r>
+              <a:rPr kumimoji="0" lang="en-US" altLang="en-US" sz="900" b="0" i="0" u="none" strike="noStrike" cap="none" normalizeH="0" baseline="0" dirty="0">
+                <a:ln>
+                  <a:noFill/>
+                </a:ln>
+                <a:solidFill>
+                  <a:srgbClr val="000000"/>
+                </a:solidFill>
+                <a:effectLst/>
+                <a:latin typeface="Consolas" panose="020B0609020204030204" pitchFamily="49" charset="0"/>
+              </a:rPr>
+              <a:t>System.out.println(</a:t>
+            </a:r>
+            <a:r>
+              <a:rPr kumimoji="0" lang="en-US" altLang="en-US" sz="900" b="0" i="0" u="none" strike="noStrike" cap="none" normalizeH="0" baseline="0" dirty="0">
+                <a:ln>
+                  <a:noFill/>
+                </a:ln>
+                <a:solidFill>
+                  <a:srgbClr val="0000FF"/>
+                </a:solidFill>
+                <a:effectLst/>
+                <a:latin typeface="Consolas" panose="020B0609020204030204" pitchFamily="49" charset="0"/>
+              </a:rPr>
+              <a:t>"Ending index "</a:t>
+            </a:r>
+            <a:r>
+              <a:rPr kumimoji="0" lang="en-US" altLang="en-US" sz="100" b="0" i="0" u="none" strike="noStrike" cap="none" normalizeH="0" baseline="0" dirty="0">
+                <a:ln>
+                  <a:noFill/>
+                </a:ln>
+                <a:solidFill>
+                  <a:srgbClr val="273239"/>
+                </a:solidFill>
+                <a:effectLst/>
+                <a:latin typeface="Consolas" panose="020B0609020204030204" pitchFamily="49" charset="0"/>
+              </a:rPr>
+              <a:t> </a:t>
+            </a:r>
+            <a:r>
+              <a:rPr kumimoji="0" lang="en-US" altLang="en-US" sz="900" b="0" i="0" u="none" strike="noStrike" cap="none" normalizeH="0" baseline="0" dirty="0">
+                <a:ln>
+                  <a:noFill/>
+                </a:ln>
+                <a:solidFill>
+                  <a:srgbClr val="000000"/>
+                </a:solidFill>
+                <a:effectLst/>
+                <a:latin typeface="Consolas" panose="020B0609020204030204" pitchFamily="49" charset="0"/>
+              </a:rPr>
+              <a:t>+ end);</a:t>
+            </a:r>
+            <a:endParaRPr kumimoji="0" lang="en-US" altLang="en-US" sz="100" b="0" i="0" u="none" strike="noStrike" cap="none" normalizeH="0" baseline="0" dirty="0">
+              <a:ln>
+                <a:noFill/>
+              </a:ln>
+              <a:solidFill>
+                <a:schemeClr val="tx1"/>
+              </a:solidFill>
+              <a:effectLst/>
+            </a:endParaRPr>
+          </a:p>
+          <a:p>
+            <a:pPr marL="0" marR="0" lvl="0" indent="0" algn="l" defTabSz="914400" rtl="0" eaLnBrk="0" fontAlgn="base" latinLnBrk="0" hangingPunct="0">
+              <a:lnSpc>
+                <a:spcPct val="100000"/>
+              </a:lnSpc>
+              <a:spcBef>
+                <a:spcPct val="0"/>
+              </a:spcBef>
+              <a:spcAft>
+                <a:spcPct val="0"/>
+              </a:spcAft>
+              <a:buClrTx/>
+              <a:buSzTx/>
+              <a:buFontTx/>
+              <a:buNone/>
+              <a:tabLst/>
+            </a:pPr>
+            <a:r>
+              <a:rPr kumimoji="0" lang="en-US" altLang="en-US" sz="900" b="0" i="0" u="none" strike="noStrike" cap="none" normalizeH="0" baseline="0" dirty="0">
+                <a:ln>
+                  <a:noFill/>
+                </a:ln>
+                <a:solidFill>
+                  <a:srgbClr val="273239"/>
+                </a:solidFill>
+                <a:effectLst/>
+                <a:latin typeface="Consolas" panose="020B0609020204030204" pitchFamily="49" charset="0"/>
+              </a:rPr>
+              <a:t>    </a:t>
+            </a:r>
+            <a:r>
+              <a:rPr kumimoji="0" lang="en-US" altLang="en-US" sz="900" b="0" i="0" u="none" strike="noStrike" cap="none" normalizeH="0" baseline="0" dirty="0">
+                <a:ln>
+                  <a:noFill/>
+                </a:ln>
+                <a:solidFill>
+                  <a:srgbClr val="000000"/>
+                </a:solidFill>
+                <a:effectLst/>
+                <a:latin typeface="Consolas" panose="020B0609020204030204" pitchFamily="49" charset="0"/>
+              </a:rPr>
+              <a:t>}</a:t>
+            </a:r>
+            <a:endParaRPr kumimoji="0" lang="en-US" altLang="en-US" sz="100" b="0" i="0" u="none" strike="noStrike" cap="none" normalizeH="0" baseline="0" dirty="0">
+              <a:ln>
+                <a:noFill/>
+              </a:ln>
+              <a:solidFill>
+                <a:schemeClr val="tx1"/>
+              </a:solidFill>
+              <a:effectLst/>
+            </a:endParaRPr>
+          </a:p>
+          <a:p>
+            <a:pPr marL="0" marR="0" lvl="0" indent="0" algn="l" defTabSz="914400" rtl="0" eaLnBrk="0" fontAlgn="base" latinLnBrk="0" hangingPunct="0">
+              <a:lnSpc>
+                <a:spcPct val="100000"/>
+              </a:lnSpc>
+              <a:spcBef>
+                <a:spcPct val="0"/>
+              </a:spcBef>
+              <a:spcAft>
+                <a:spcPct val="0"/>
+              </a:spcAft>
+              <a:buClrTx/>
+              <a:buSzTx/>
+              <a:buFontTx/>
+              <a:buNone/>
+              <a:tabLst/>
+            </a:pPr>
+            <a:r>
+              <a:rPr kumimoji="0" lang="en-US" altLang="en-US" sz="1200" b="0" i="0" u="none" strike="noStrike" cap="none" normalizeH="0" baseline="0" dirty="0">
+                <a:ln>
+                  <a:noFill/>
+                </a:ln>
+                <a:solidFill>
+                  <a:srgbClr val="273239"/>
+                </a:solidFill>
+                <a:effectLst/>
+                <a:latin typeface="Consolas" panose="020B0609020204030204" pitchFamily="49" charset="0"/>
+              </a:rPr>
+              <a:t> </a:t>
+            </a:r>
+            <a:endParaRPr kumimoji="0" lang="en-US" altLang="en-US" sz="1200" b="0" i="0" u="none" strike="noStrike" cap="none" normalizeH="0" baseline="0" dirty="0">
+              <a:ln>
+                <a:noFill/>
+              </a:ln>
+              <a:solidFill>
+                <a:schemeClr val="tx1"/>
+              </a:solidFill>
+              <a:effectLst/>
+            </a:endParaRPr>
+          </a:p>
+          <a:p>
+            <a:pPr marL="0" marR="0" lvl="0" indent="0" algn="l" defTabSz="914400" rtl="0" eaLnBrk="0" fontAlgn="base" latinLnBrk="0" hangingPunct="0">
+              <a:lnSpc>
+                <a:spcPct val="100000"/>
+              </a:lnSpc>
+              <a:spcBef>
+                <a:spcPct val="0"/>
+              </a:spcBef>
+              <a:spcAft>
+                <a:spcPct val="0"/>
+              </a:spcAft>
+              <a:buClrTx/>
+              <a:buSzTx/>
+              <a:buFontTx/>
+              <a:buNone/>
+              <a:tabLst/>
+            </a:pPr>
+            <a:r>
+              <a:rPr kumimoji="0" lang="en-US" altLang="en-US" sz="900" b="0" i="0" u="none" strike="noStrike" cap="none" normalizeH="0" baseline="0" dirty="0">
+                <a:ln>
+                  <a:noFill/>
+                </a:ln>
+                <a:solidFill>
+                  <a:srgbClr val="273239"/>
+                </a:solidFill>
+                <a:effectLst/>
+                <a:latin typeface="Consolas" panose="020B0609020204030204" pitchFamily="49" charset="0"/>
+              </a:rPr>
+              <a:t>    </a:t>
+            </a:r>
+            <a:r>
+              <a:rPr kumimoji="0" lang="en-US" altLang="en-US" sz="900" b="0" i="0" u="none" strike="noStrike" cap="none" normalizeH="0" baseline="0" dirty="0">
+                <a:ln>
+                  <a:noFill/>
+                </a:ln>
+                <a:solidFill>
+                  <a:srgbClr val="008200"/>
+                </a:solidFill>
+                <a:effectLst/>
+                <a:latin typeface="Consolas" panose="020B0609020204030204" pitchFamily="49" charset="0"/>
+              </a:rPr>
+              <a:t>// Driver code</a:t>
+            </a:r>
+            <a:endParaRPr kumimoji="0" lang="en-US" altLang="en-US" sz="100" b="0" i="0" u="none" strike="noStrike" cap="none" normalizeH="0" baseline="0" dirty="0">
+              <a:ln>
+                <a:noFill/>
+              </a:ln>
+              <a:solidFill>
+                <a:schemeClr val="tx1"/>
+              </a:solidFill>
+              <a:effectLst/>
+            </a:endParaRPr>
+          </a:p>
+          <a:p>
+            <a:pPr marL="0" marR="0" lvl="0" indent="0" algn="l" defTabSz="914400" rtl="0" eaLnBrk="0" fontAlgn="base" latinLnBrk="0" hangingPunct="0">
+              <a:lnSpc>
+                <a:spcPct val="100000"/>
+              </a:lnSpc>
+              <a:spcBef>
+                <a:spcPct val="0"/>
+              </a:spcBef>
+              <a:spcAft>
+                <a:spcPct val="0"/>
+              </a:spcAft>
+              <a:buClrTx/>
+              <a:buSzTx/>
+              <a:buFontTx/>
+              <a:buNone/>
+              <a:tabLst/>
+            </a:pPr>
+            <a:r>
+              <a:rPr kumimoji="0" lang="en-US" altLang="en-US" sz="900" b="0" i="0" u="none" strike="noStrike" cap="none" normalizeH="0" baseline="0" dirty="0">
+                <a:ln>
+                  <a:noFill/>
+                </a:ln>
+                <a:solidFill>
+                  <a:srgbClr val="273239"/>
+                </a:solidFill>
+                <a:effectLst/>
+                <a:latin typeface="Consolas" panose="020B0609020204030204" pitchFamily="49" charset="0"/>
+              </a:rPr>
+              <a:t>    </a:t>
+            </a:r>
+            <a:r>
+              <a:rPr kumimoji="0" lang="en-US" altLang="en-US" sz="900" b="1" i="0" u="none" strike="noStrike" cap="none" normalizeH="0" baseline="0" dirty="0">
+                <a:ln>
+                  <a:noFill/>
+                </a:ln>
+                <a:solidFill>
+                  <a:srgbClr val="006699"/>
+                </a:solidFill>
+                <a:effectLst/>
+                <a:latin typeface="Consolas" panose="020B0609020204030204" pitchFamily="49" charset="0"/>
+              </a:rPr>
+              <a:t>public</a:t>
+            </a:r>
+            <a:r>
+              <a:rPr kumimoji="0" lang="en-US" altLang="en-US" sz="100" b="0" i="0" u="none" strike="noStrike" cap="none" normalizeH="0" baseline="0" dirty="0">
+                <a:ln>
+                  <a:noFill/>
+                </a:ln>
+                <a:solidFill>
+                  <a:srgbClr val="273239"/>
+                </a:solidFill>
+                <a:effectLst/>
+                <a:latin typeface="Consolas" panose="020B0609020204030204" pitchFamily="49" charset="0"/>
+              </a:rPr>
+              <a:t> </a:t>
+            </a:r>
+            <a:r>
+              <a:rPr kumimoji="0" lang="en-US" altLang="en-US" sz="900" b="1" i="0" u="none" strike="noStrike" cap="none" normalizeH="0" baseline="0" dirty="0">
+                <a:ln>
+                  <a:noFill/>
+                </a:ln>
+                <a:solidFill>
+                  <a:srgbClr val="006699"/>
+                </a:solidFill>
+                <a:effectLst/>
+                <a:latin typeface="Consolas" panose="020B0609020204030204" pitchFamily="49" charset="0"/>
+              </a:rPr>
+              <a:t>static</a:t>
+            </a:r>
+            <a:r>
+              <a:rPr kumimoji="0" lang="en-US" altLang="en-US" sz="100" b="0" i="0" u="none" strike="noStrike" cap="none" normalizeH="0" baseline="0" dirty="0">
+                <a:ln>
+                  <a:noFill/>
+                </a:ln>
+                <a:solidFill>
+                  <a:srgbClr val="273239"/>
+                </a:solidFill>
+                <a:effectLst/>
+                <a:latin typeface="Consolas" panose="020B0609020204030204" pitchFamily="49" charset="0"/>
+              </a:rPr>
+              <a:t> </a:t>
+            </a:r>
+            <a:r>
+              <a:rPr kumimoji="0" lang="en-US" altLang="en-US" sz="900" b="1" i="0" u="none" strike="noStrike" cap="none" normalizeH="0" baseline="0" dirty="0">
+                <a:ln>
+                  <a:noFill/>
+                </a:ln>
+                <a:solidFill>
+                  <a:srgbClr val="006699"/>
+                </a:solidFill>
+                <a:effectLst/>
+                <a:latin typeface="Consolas" panose="020B0609020204030204" pitchFamily="49" charset="0"/>
+              </a:rPr>
+              <a:t>void</a:t>
+            </a:r>
+            <a:r>
+              <a:rPr kumimoji="0" lang="en-US" altLang="en-US" sz="100" b="0" i="0" u="none" strike="noStrike" cap="none" normalizeH="0" baseline="0" dirty="0">
+                <a:ln>
+                  <a:noFill/>
+                </a:ln>
+                <a:solidFill>
+                  <a:srgbClr val="273239"/>
+                </a:solidFill>
+                <a:effectLst/>
+                <a:latin typeface="Consolas" panose="020B0609020204030204" pitchFamily="49" charset="0"/>
+              </a:rPr>
+              <a:t> </a:t>
+            </a:r>
+            <a:r>
+              <a:rPr kumimoji="0" lang="en-US" altLang="en-US" sz="900" b="0" i="0" u="none" strike="noStrike" cap="none" normalizeH="0" baseline="0" dirty="0">
+                <a:ln>
+                  <a:noFill/>
+                </a:ln>
+                <a:solidFill>
+                  <a:srgbClr val="000000"/>
+                </a:solidFill>
+                <a:effectLst/>
+                <a:latin typeface="Consolas" panose="020B0609020204030204" pitchFamily="49" charset="0"/>
+              </a:rPr>
+              <a:t>main(String[] args)</a:t>
+            </a:r>
+            <a:endParaRPr kumimoji="0" lang="en-US" altLang="en-US" sz="100" b="0" i="0" u="none" strike="noStrike" cap="none" normalizeH="0" baseline="0" dirty="0">
+              <a:ln>
+                <a:noFill/>
+              </a:ln>
+              <a:solidFill>
+                <a:schemeClr val="tx1"/>
+              </a:solidFill>
+              <a:effectLst/>
+            </a:endParaRPr>
+          </a:p>
+          <a:p>
+            <a:pPr marL="0" marR="0" lvl="0" indent="0" algn="l" defTabSz="914400" rtl="0" eaLnBrk="0" fontAlgn="base" latinLnBrk="0" hangingPunct="0">
+              <a:lnSpc>
+                <a:spcPct val="100000"/>
+              </a:lnSpc>
+              <a:spcBef>
+                <a:spcPct val="0"/>
+              </a:spcBef>
+              <a:spcAft>
+                <a:spcPct val="0"/>
+              </a:spcAft>
+              <a:buClrTx/>
+              <a:buSzTx/>
+              <a:buFontTx/>
+              <a:buNone/>
+              <a:tabLst/>
+            </a:pPr>
+            <a:r>
+              <a:rPr kumimoji="0" lang="en-US" altLang="en-US" sz="900" b="0" i="0" u="none" strike="noStrike" cap="none" normalizeH="0" baseline="0" dirty="0">
+                <a:ln>
+                  <a:noFill/>
+                </a:ln>
+                <a:solidFill>
+                  <a:srgbClr val="273239"/>
+                </a:solidFill>
+                <a:effectLst/>
+                <a:latin typeface="Consolas" panose="020B0609020204030204" pitchFamily="49" charset="0"/>
+              </a:rPr>
+              <a:t>    </a:t>
+            </a:r>
+            <a:r>
+              <a:rPr kumimoji="0" lang="en-US" altLang="en-US" sz="900" b="0" i="0" u="none" strike="noStrike" cap="none" normalizeH="0" baseline="0" dirty="0">
+                <a:ln>
+                  <a:noFill/>
+                </a:ln>
+                <a:solidFill>
+                  <a:srgbClr val="000000"/>
+                </a:solidFill>
+                <a:effectLst/>
+                <a:latin typeface="Consolas" panose="020B0609020204030204" pitchFamily="49" charset="0"/>
+              </a:rPr>
+              <a:t>{</a:t>
+            </a:r>
+            <a:endParaRPr kumimoji="0" lang="en-US" altLang="en-US" sz="100" b="0" i="0" u="none" strike="noStrike" cap="none" normalizeH="0" baseline="0" dirty="0">
+              <a:ln>
+                <a:noFill/>
+              </a:ln>
+              <a:solidFill>
+                <a:schemeClr val="tx1"/>
+              </a:solidFill>
+              <a:effectLst/>
+            </a:endParaRPr>
+          </a:p>
+          <a:p>
+            <a:pPr marL="0" marR="0" lvl="0" indent="0" algn="l" defTabSz="914400" rtl="0" eaLnBrk="0" fontAlgn="base" latinLnBrk="0" hangingPunct="0">
+              <a:lnSpc>
+                <a:spcPct val="100000"/>
+              </a:lnSpc>
+              <a:spcBef>
+                <a:spcPct val="0"/>
+              </a:spcBef>
+              <a:spcAft>
+                <a:spcPct val="0"/>
+              </a:spcAft>
+              <a:buClrTx/>
+              <a:buSzTx/>
+              <a:buFontTx/>
+              <a:buNone/>
+              <a:tabLst/>
+            </a:pPr>
+            <a:r>
+              <a:rPr kumimoji="0" lang="en-US" altLang="en-US" sz="900" b="0" i="0" u="none" strike="noStrike" cap="none" normalizeH="0" baseline="0" dirty="0">
+                <a:ln>
+                  <a:noFill/>
+                </a:ln>
+                <a:solidFill>
+                  <a:srgbClr val="273239"/>
+                </a:solidFill>
+                <a:effectLst/>
+                <a:latin typeface="Consolas" panose="020B0609020204030204" pitchFamily="49" charset="0"/>
+              </a:rPr>
+              <a:t>        </a:t>
+            </a:r>
+            <a:r>
+              <a:rPr kumimoji="0" lang="en-US" altLang="en-US" sz="900" b="1" i="0" u="none" strike="noStrike" cap="none" normalizeH="0" baseline="0" dirty="0">
+                <a:ln>
+                  <a:noFill/>
+                </a:ln>
+                <a:solidFill>
+                  <a:srgbClr val="006699"/>
+                </a:solidFill>
+                <a:effectLst/>
+                <a:latin typeface="Consolas" panose="020B0609020204030204" pitchFamily="49" charset="0"/>
+              </a:rPr>
+              <a:t>int</a:t>
+            </a:r>
+            <a:r>
+              <a:rPr kumimoji="0" lang="en-US" altLang="en-US" sz="100" b="0" i="0" u="none" strike="noStrike" cap="none" normalizeH="0" baseline="0" dirty="0">
+                <a:ln>
+                  <a:noFill/>
+                </a:ln>
+                <a:solidFill>
+                  <a:srgbClr val="273239"/>
+                </a:solidFill>
+                <a:effectLst/>
+                <a:latin typeface="Consolas" panose="020B0609020204030204" pitchFamily="49" charset="0"/>
+              </a:rPr>
+              <a:t> </a:t>
+            </a:r>
+            <a:r>
+              <a:rPr kumimoji="0" lang="en-US" altLang="en-US" sz="900" b="0" i="0" u="none" strike="noStrike" cap="none" normalizeH="0" baseline="0" dirty="0">
+                <a:ln>
+                  <a:noFill/>
+                </a:ln>
+                <a:solidFill>
+                  <a:srgbClr val="000000"/>
+                </a:solidFill>
+                <a:effectLst/>
+                <a:latin typeface="Consolas" panose="020B0609020204030204" pitchFamily="49" charset="0"/>
+              </a:rPr>
+              <a:t>a[] = { -</a:t>
+            </a:r>
+            <a:r>
+              <a:rPr kumimoji="0" lang="en-US" altLang="en-US" sz="900" b="0" i="0" u="none" strike="noStrike" cap="none" normalizeH="0" baseline="0" dirty="0">
+                <a:ln>
+                  <a:noFill/>
+                </a:ln>
+                <a:solidFill>
+                  <a:srgbClr val="009900"/>
+                </a:solidFill>
+                <a:effectLst/>
+                <a:latin typeface="Consolas" panose="020B0609020204030204" pitchFamily="49" charset="0"/>
+              </a:rPr>
+              <a:t>2</a:t>
+            </a:r>
+            <a:r>
+              <a:rPr kumimoji="0" lang="en-US" altLang="en-US" sz="900" b="0" i="0" u="none" strike="noStrike" cap="none" normalizeH="0" baseline="0" dirty="0">
+                <a:ln>
+                  <a:noFill/>
+                </a:ln>
+                <a:solidFill>
+                  <a:srgbClr val="000000"/>
+                </a:solidFill>
+                <a:effectLst/>
+                <a:latin typeface="Consolas" panose="020B0609020204030204" pitchFamily="49" charset="0"/>
+              </a:rPr>
+              <a:t>, -</a:t>
+            </a:r>
+            <a:r>
+              <a:rPr kumimoji="0" lang="en-US" altLang="en-US" sz="900" b="0" i="0" u="none" strike="noStrike" cap="none" normalizeH="0" baseline="0" dirty="0">
+                <a:ln>
+                  <a:noFill/>
+                </a:ln>
+                <a:solidFill>
+                  <a:srgbClr val="009900"/>
+                </a:solidFill>
+                <a:effectLst/>
+                <a:latin typeface="Consolas" panose="020B0609020204030204" pitchFamily="49" charset="0"/>
+              </a:rPr>
+              <a:t>3</a:t>
+            </a:r>
+            <a:r>
+              <a:rPr kumimoji="0" lang="en-US" altLang="en-US" sz="900" b="0" i="0" u="none" strike="noStrike" cap="none" normalizeH="0" baseline="0" dirty="0">
+                <a:ln>
+                  <a:noFill/>
+                </a:ln>
+                <a:solidFill>
+                  <a:srgbClr val="000000"/>
+                </a:solidFill>
+                <a:effectLst/>
+                <a:latin typeface="Consolas" panose="020B0609020204030204" pitchFamily="49" charset="0"/>
+              </a:rPr>
+              <a:t>, </a:t>
+            </a:r>
+            <a:r>
+              <a:rPr kumimoji="0" lang="en-US" altLang="en-US" sz="900" b="0" i="0" u="none" strike="noStrike" cap="none" normalizeH="0" baseline="0" dirty="0">
+                <a:ln>
+                  <a:noFill/>
+                </a:ln>
+                <a:solidFill>
+                  <a:srgbClr val="009900"/>
+                </a:solidFill>
+                <a:effectLst/>
+                <a:latin typeface="Consolas" panose="020B0609020204030204" pitchFamily="49" charset="0"/>
+              </a:rPr>
+              <a:t>4</a:t>
+            </a:r>
+            <a:r>
+              <a:rPr kumimoji="0" lang="en-US" altLang="en-US" sz="900" b="0" i="0" u="none" strike="noStrike" cap="none" normalizeH="0" baseline="0" dirty="0">
+                <a:ln>
+                  <a:noFill/>
+                </a:ln>
+                <a:solidFill>
+                  <a:srgbClr val="000000"/>
+                </a:solidFill>
+                <a:effectLst/>
+                <a:latin typeface="Consolas" panose="020B0609020204030204" pitchFamily="49" charset="0"/>
+              </a:rPr>
+              <a:t>, -</a:t>
+            </a:r>
+            <a:r>
+              <a:rPr kumimoji="0" lang="en-US" altLang="en-US" sz="900" b="0" i="0" u="none" strike="noStrike" cap="none" normalizeH="0" baseline="0" dirty="0">
+                <a:ln>
+                  <a:noFill/>
+                </a:ln>
+                <a:solidFill>
+                  <a:srgbClr val="009900"/>
+                </a:solidFill>
+                <a:effectLst/>
+                <a:latin typeface="Consolas" panose="020B0609020204030204" pitchFamily="49" charset="0"/>
+              </a:rPr>
+              <a:t>1</a:t>
+            </a:r>
+            <a:r>
+              <a:rPr kumimoji="0" lang="en-US" altLang="en-US" sz="900" b="0" i="0" u="none" strike="noStrike" cap="none" normalizeH="0" baseline="0" dirty="0">
+                <a:ln>
+                  <a:noFill/>
+                </a:ln>
+                <a:solidFill>
+                  <a:srgbClr val="000000"/>
+                </a:solidFill>
+                <a:effectLst/>
+                <a:latin typeface="Consolas" panose="020B0609020204030204" pitchFamily="49" charset="0"/>
+              </a:rPr>
+              <a:t>, -</a:t>
+            </a:r>
+            <a:r>
+              <a:rPr kumimoji="0" lang="en-US" altLang="en-US" sz="900" b="0" i="0" u="none" strike="noStrike" cap="none" normalizeH="0" baseline="0" dirty="0">
+                <a:ln>
+                  <a:noFill/>
+                </a:ln>
+                <a:solidFill>
+                  <a:srgbClr val="009900"/>
+                </a:solidFill>
+                <a:effectLst/>
+                <a:latin typeface="Consolas" panose="020B0609020204030204" pitchFamily="49" charset="0"/>
+              </a:rPr>
+              <a:t>2</a:t>
+            </a:r>
+            <a:r>
+              <a:rPr kumimoji="0" lang="en-US" altLang="en-US" sz="900" b="0" i="0" u="none" strike="noStrike" cap="none" normalizeH="0" baseline="0" dirty="0">
+                <a:ln>
+                  <a:noFill/>
+                </a:ln>
+                <a:solidFill>
+                  <a:srgbClr val="000000"/>
+                </a:solidFill>
+                <a:effectLst/>
+                <a:latin typeface="Consolas" panose="020B0609020204030204" pitchFamily="49" charset="0"/>
+              </a:rPr>
+              <a:t>, </a:t>
+            </a:r>
+            <a:r>
+              <a:rPr kumimoji="0" lang="en-US" altLang="en-US" sz="900" b="0" i="0" u="none" strike="noStrike" cap="none" normalizeH="0" baseline="0" dirty="0">
+                <a:ln>
+                  <a:noFill/>
+                </a:ln>
+                <a:solidFill>
+                  <a:srgbClr val="009900"/>
+                </a:solidFill>
+                <a:effectLst/>
+                <a:latin typeface="Consolas" panose="020B0609020204030204" pitchFamily="49" charset="0"/>
+              </a:rPr>
+              <a:t>1</a:t>
+            </a:r>
+            <a:r>
+              <a:rPr kumimoji="0" lang="en-US" altLang="en-US" sz="900" b="0" i="0" u="none" strike="noStrike" cap="none" normalizeH="0" baseline="0" dirty="0">
+                <a:ln>
+                  <a:noFill/>
+                </a:ln>
+                <a:solidFill>
+                  <a:srgbClr val="000000"/>
+                </a:solidFill>
+                <a:effectLst/>
+                <a:latin typeface="Consolas" panose="020B0609020204030204" pitchFamily="49" charset="0"/>
+              </a:rPr>
+              <a:t>, </a:t>
+            </a:r>
+            <a:r>
+              <a:rPr kumimoji="0" lang="en-US" altLang="en-US" sz="900" b="0" i="0" u="none" strike="noStrike" cap="none" normalizeH="0" baseline="0" dirty="0">
+                <a:ln>
+                  <a:noFill/>
+                </a:ln>
+                <a:solidFill>
+                  <a:srgbClr val="009900"/>
+                </a:solidFill>
+                <a:effectLst/>
+                <a:latin typeface="Consolas" panose="020B0609020204030204" pitchFamily="49" charset="0"/>
+              </a:rPr>
+              <a:t>5</a:t>
+            </a:r>
+            <a:r>
+              <a:rPr kumimoji="0" lang="en-US" altLang="en-US" sz="900" b="0" i="0" u="none" strike="noStrike" cap="none" normalizeH="0" baseline="0" dirty="0">
+                <a:ln>
+                  <a:noFill/>
+                </a:ln>
+                <a:solidFill>
+                  <a:srgbClr val="000000"/>
+                </a:solidFill>
+                <a:effectLst/>
+                <a:latin typeface="Consolas" panose="020B0609020204030204" pitchFamily="49" charset="0"/>
+              </a:rPr>
+              <a:t>, -</a:t>
+            </a:r>
+            <a:r>
+              <a:rPr kumimoji="0" lang="en-US" altLang="en-US" sz="900" b="0" i="0" u="none" strike="noStrike" cap="none" normalizeH="0" baseline="0" dirty="0">
+                <a:ln>
+                  <a:noFill/>
+                </a:ln>
+                <a:solidFill>
+                  <a:srgbClr val="009900"/>
+                </a:solidFill>
+                <a:effectLst/>
+                <a:latin typeface="Consolas" panose="020B0609020204030204" pitchFamily="49" charset="0"/>
+              </a:rPr>
+              <a:t>3</a:t>
+            </a:r>
+            <a:r>
+              <a:rPr kumimoji="0" lang="en-US" altLang="en-US" sz="100" b="0" i="0" u="none" strike="noStrike" cap="none" normalizeH="0" baseline="0" dirty="0">
+                <a:ln>
+                  <a:noFill/>
+                </a:ln>
+                <a:solidFill>
+                  <a:srgbClr val="273239"/>
+                </a:solidFill>
+                <a:effectLst/>
+                <a:latin typeface="Consolas" panose="020B0609020204030204" pitchFamily="49" charset="0"/>
+              </a:rPr>
+              <a:t> </a:t>
+            </a:r>
+            <a:r>
+              <a:rPr kumimoji="0" lang="en-US" altLang="en-US" sz="900" b="0" i="0" u="none" strike="noStrike" cap="none" normalizeH="0" baseline="0" dirty="0">
+                <a:ln>
+                  <a:noFill/>
+                </a:ln>
+                <a:solidFill>
+                  <a:srgbClr val="000000"/>
+                </a:solidFill>
+                <a:effectLst/>
+                <a:latin typeface="Consolas" panose="020B0609020204030204" pitchFamily="49" charset="0"/>
+              </a:rPr>
+              <a:t>};</a:t>
+            </a:r>
+            <a:endParaRPr kumimoji="0" lang="en-US" altLang="en-US" sz="100" b="0" i="0" u="none" strike="noStrike" cap="none" normalizeH="0" baseline="0" dirty="0">
+              <a:ln>
+                <a:noFill/>
+              </a:ln>
+              <a:solidFill>
+                <a:schemeClr val="tx1"/>
+              </a:solidFill>
+              <a:effectLst/>
+            </a:endParaRPr>
+          </a:p>
+          <a:p>
+            <a:pPr marL="0" marR="0" lvl="0" indent="0" algn="l" defTabSz="914400" rtl="0" eaLnBrk="0" fontAlgn="base" latinLnBrk="0" hangingPunct="0">
+              <a:lnSpc>
+                <a:spcPct val="100000"/>
+              </a:lnSpc>
+              <a:spcBef>
+                <a:spcPct val="0"/>
+              </a:spcBef>
+              <a:spcAft>
+                <a:spcPct val="0"/>
+              </a:spcAft>
+              <a:buClrTx/>
+              <a:buSzTx/>
+              <a:buFontTx/>
+              <a:buNone/>
+              <a:tabLst/>
+            </a:pPr>
+            <a:r>
+              <a:rPr kumimoji="0" lang="en-US" altLang="en-US" sz="900" b="0" i="0" u="none" strike="noStrike" cap="none" normalizeH="0" baseline="0" dirty="0">
+                <a:ln>
+                  <a:noFill/>
+                </a:ln>
+                <a:solidFill>
+                  <a:srgbClr val="273239"/>
+                </a:solidFill>
+                <a:effectLst/>
+                <a:latin typeface="Consolas" panose="020B0609020204030204" pitchFamily="49" charset="0"/>
+              </a:rPr>
+              <a:t>        </a:t>
+            </a:r>
+            <a:r>
+              <a:rPr kumimoji="0" lang="en-US" altLang="en-US" sz="900" b="1" i="0" u="none" strike="noStrike" cap="none" normalizeH="0" baseline="0" dirty="0">
+                <a:ln>
+                  <a:noFill/>
+                </a:ln>
+                <a:solidFill>
+                  <a:srgbClr val="006699"/>
+                </a:solidFill>
+                <a:effectLst/>
+                <a:latin typeface="Consolas" panose="020B0609020204030204" pitchFamily="49" charset="0"/>
+              </a:rPr>
+              <a:t>int</a:t>
+            </a:r>
+            <a:r>
+              <a:rPr kumimoji="0" lang="en-US" altLang="en-US" sz="100" b="0" i="0" u="none" strike="noStrike" cap="none" normalizeH="0" baseline="0" dirty="0">
+                <a:ln>
+                  <a:noFill/>
+                </a:ln>
+                <a:solidFill>
+                  <a:srgbClr val="273239"/>
+                </a:solidFill>
+                <a:effectLst/>
+                <a:latin typeface="Consolas" panose="020B0609020204030204" pitchFamily="49" charset="0"/>
+              </a:rPr>
+              <a:t> </a:t>
+            </a:r>
+            <a:r>
+              <a:rPr kumimoji="0" lang="en-US" altLang="en-US" sz="900" b="0" i="0" u="none" strike="noStrike" cap="none" normalizeH="0" baseline="0" dirty="0">
+                <a:ln>
+                  <a:noFill/>
+                </a:ln>
+                <a:solidFill>
+                  <a:srgbClr val="000000"/>
+                </a:solidFill>
+                <a:effectLst/>
+                <a:latin typeface="Consolas" panose="020B0609020204030204" pitchFamily="49" charset="0"/>
+              </a:rPr>
+              <a:t>n = a.length;</a:t>
+            </a:r>
+            <a:endParaRPr kumimoji="0" lang="en-US" altLang="en-US" sz="100" b="0" i="0" u="none" strike="noStrike" cap="none" normalizeH="0" baseline="0" dirty="0">
+              <a:ln>
+                <a:noFill/>
+              </a:ln>
+              <a:solidFill>
+                <a:schemeClr val="tx1"/>
+              </a:solidFill>
+              <a:effectLst/>
+            </a:endParaRPr>
+          </a:p>
+          <a:p>
+            <a:pPr marL="0" marR="0" lvl="0" indent="0" algn="l" defTabSz="914400" rtl="0" eaLnBrk="0" fontAlgn="base" latinLnBrk="0" hangingPunct="0">
+              <a:lnSpc>
+                <a:spcPct val="100000"/>
+              </a:lnSpc>
+              <a:spcBef>
+                <a:spcPct val="0"/>
+              </a:spcBef>
+              <a:spcAft>
+                <a:spcPct val="0"/>
+              </a:spcAft>
+              <a:buClrTx/>
+              <a:buSzTx/>
+              <a:buFontTx/>
+              <a:buNone/>
+              <a:tabLst/>
+            </a:pPr>
+            <a:r>
+              <a:rPr kumimoji="0" lang="en-US" altLang="en-US" sz="900" b="0" i="0" u="none" strike="noStrike" cap="none" normalizeH="0" baseline="0" dirty="0">
+                <a:ln>
+                  <a:noFill/>
+                </a:ln>
+                <a:solidFill>
+                  <a:srgbClr val="273239"/>
+                </a:solidFill>
+                <a:effectLst/>
+                <a:latin typeface="Consolas" panose="020B0609020204030204" pitchFamily="49" charset="0"/>
+              </a:rPr>
+              <a:t>        </a:t>
+            </a:r>
+            <a:r>
+              <a:rPr kumimoji="0" lang="en-US" altLang="en-US" sz="900" b="0" i="0" u="none" strike="noStrike" cap="none" normalizeH="0" baseline="0" dirty="0">
+                <a:ln>
+                  <a:noFill/>
+                </a:ln>
+                <a:solidFill>
+                  <a:srgbClr val="000000"/>
+                </a:solidFill>
+                <a:effectLst/>
+                <a:latin typeface="Consolas" panose="020B0609020204030204" pitchFamily="49" charset="0"/>
+              </a:rPr>
+              <a:t>maxSubArraySum(a, n);</a:t>
+            </a:r>
+            <a:endParaRPr kumimoji="0" lang="en-US" altLang="en-US" sz="100" b="0" i="0" u="none" strike="noStrike" cap="none" normalizeH="0" baseline="0" dirty="0">
+              <a:ln>
+                <a:noFill/>
+              </a:ln>
+              <a:solidFill>
+                <a:schemeClr val="tx1"/>
+              </a:solidFill>
+              <a:effectLst/>
+            </a:endParaRPr>
+          </a:p>
+          <a:p>
+            <a:pPr marL="0" marR="0" lvl="0" indent="0" algn="l" defTabSz="914400" rtl="0" eaLnBrk="0" fontAlgn="base" latinLnBrk="0" hangingPunct="0">
+              <a:lnSpc>
+                <a:spcPct val="100000"/>
+              </a:lnSpc>
+              <a:spcBef>
+                <a:spcPct val="0"/>
+              </a:spcBef>
+              <a:spcAft>
+                <a:spcPct val="0"/>
+              </a:spcAft>
+              <a:buClrTx/>
+              <a:buSzTx/>
+              <a:buFontTx/>
+              <a:buNone/>
+              <a:tabLst/>
+            </a:pPr>
+            <a:r>
+              <a:rPr kumimoji="0" lang="en-US" altLang="en-US" sz="900" b="0" i="0" u="none" strike="noStrike" cap="none" normalizeH="0" baseline="0" dirty="0">
+                <a:ln>
+                  <a:noFill/>
+                </a:ln>
+                <a:solidFill>
+                  <a:srgbClr val="273239"/>
+                </a:solidFill>
+                <a:effectLst/>
+                <a:latin typeface="Consolas" panose="020B0609020204030204" pitchFamily="49" charset="0"/>
+              </a:rPr>
+              <a:t>    </a:t>
+            </a:r>
+            <a:r>
+              <a:rPr kumimoji="0" lang="en-US" altLang="en-US" sz="900" b="0" i="0" u="none" strike="noStrike" cap="none" normalizeH="0" baseline="0" dirty="0">
+                <a:ln>
+                  <a:noFill/>
+                </a:ln>
+                <a:solidFill>
+                  <a:srgbClr val="000000"/>
+                </a:solidFill>
+                <a:effectLst/>
+                <a:latin typeface="Consolas" panose="020B0609020204030204" pitchFamily="49" charset="0"/>
+              </a:rPr>
+              <a:t>}</a:t>
+            </a:r>
+            <a:endParaRPr kumimoji="0" lang="en-US" altLang="en-US" sz="100" b="0" i="0" u="none" strike="noStrike" cap="none" normalizeH="0" baseline="0" dirty="0">
+              <a:ln>
+                <a:noFill/>
+              </a:ln>
+              <a:solidFill>
+                <a:schemeClr val="tx1"/>
+              </a:solidFill>
+              <a:effectLst/>
+            </a:endParaRPr>
+          </a:p>
+          <a:p>
+            <a:pPr marL="0" marR="0" lvl="0" indent="0" algn="l" defTabSz="914400" rtl="0" eaLnBrk="0" fontAlgn="base" latinLnBrk="0" hangingPunct="0">
+              <a:lnSpc>
+                <a:spcPct val="100000"/>
+              </a:lnSpc>
+              <a:spcBef>
+                <a:spcPct val="0"/>
+              </a:spcBef>
+              <a:spcAft>
+                <a:spcPct val="0"/>
+              </a:spcAft>
+              <a:buClrTx/>
+              <a:buSzTx/>
+              <a:buFontTx/>
+              <a:buNone/>
+              <a:tabLst/>
+            </a:pPr>
+            <a:r>
+              <a:rPr kumimoji="0" lang="en-US" altLang="en-US" sz="900" b="0" i="0" u="none" strike="noStrike" cap="none" normalizeH="0" baseline="0" dirty="0">
+                <a:ln>
+                  <a:noFill/>
+                </a:ln>
+                <a:solidFill>
+                  <a:srgbClr val="000000"/>
+                </a:solidFill>
+                <a:effectLst/>
+                <a:latin typeface="Consolas" panose="020B0609020204030204" pitchFamily="49" charset="0"/>
+              </a:rPr>
+              <a:t>}</a:t>
+            </a:r>
+            <a:endParaRPr kumimoji="0" lang="en-US" altLang="en-US" sz="1200" b="0" i="0" u="none" strike="noStrike" cap="none" normalizeH="0" baseline="0" dirty="0">
+              <a:ln>
+                <a:noFill/>
+              </a:ln>
+              <a:solidFill>
+                <a:schemeClr val="tx1"/>
+              </a:solidFill>
+              <a:effectLst/>
+              <a:latin typeface="Arial" panose="020B0604020202020204" pitchFamily="34" charset="0"/>
+            </a:endParaRPr>
           </a:p>
         </p:txBody>
       </p:sp>
     </p:spTree>
     <p:extLst>
       <p:ext uri="{BB962C8B-B14F-4D97-AF65-F5344CB8AC3E}">
-        <p14:creationId xmlns:p14="http://schemas.microsoft.com/office/powerpoint/2010/main" val="4246992760"/>
+        <p14:creationId xmlns:p14="http://schemas.microsoft.com/office/powerpoint/2010/main" val="2306521028"/>
       </p:ext>
     </p:extLst>
   </p:cSld>
